--- a/git.pptx
+++ b/git.pptx
@@ -5,10 +5,10 @@
     <p:sldMasterId id="2147483660" r:id="rId1"/>
   </p:sldMasterIdLst>
   <p:notesMasterIdLst>
-    <p:notesMasterId r:id="rId8"/>
+    <p:notesMasterId r:id="rId19"/>
   </p:notesMasterIdLst>
   <p:handoutMasterIdLst>
-    <p:handoutMasterId r:id="rId9"/>
+    <p:handoutMasterId r:id="rId20"/>
   </p:handoutMasterIdLst>
   <p:sldIdLst>
     <p:sldId id="256" r:id="rId2"/>
@@ -16,7 +16,18 @@
     <p:sldId id="273" r:id="rId4"/>
     <p:sldId id="272" r:id="rId5"/>
     <p:sldId id="270" r:id="rId6"/>
-    <p:sldId id="267" r:id="rId7"/>
+    <p:sldId id="274" r:id="rId7"/>
+    <p:sldId id="275" r:id="rId8"/>
+    <p:sldId id="276" r:id="rId9"/>
+    <p:sldId id="278" r:id="rId10"/>
+    <p:sldId id="277" r:id="rId11"/>
+    <p:sldId id="280" r:id="rId12"/>
+    <p:sldId id="285" r:id="rId13"/>
+    <p:sldId id="279" r:id="rId14"/>
+    <p:sldId id="281" r:id="rId15"/>
+    <p:sldId id="282" r:id="rId16"/>
+    <p:sldId id="283" r:id="rId17"/>
+    <p:sldId id="284" r:id="rId18"/>
   </p:sldIdLst>
   <p:sldSz cx="12192000" cy="6858000"/>
   <p:notesSz cx="6858000" cy="9144000"/>
@@ -117,10 +128,10 @@
   </p:defaultTextStyle>
   <p:extLst>
     <p:ext uri="{EFAFB233-063F-42B5-8137-9DF3F51BA10A}">
-      <p15:sldGuideLst xmlns:p15="http://schemas.microsoft.com/office/powerpoint/2012/main" xmlns=""/>
+      <p15:sldGuideLst xmlns="" xmlns:p15="http://schemas.microsoft.com/office/powerpoint/2012/main"/>
     </p:ext>
     <p:ext uri="{2D200454-40CA-4A62-9FC3-DE9A4176ACB9}">
-      <p15:notesGuideLst xmlns:p15="http://schemas.microsoft.com/office/powerpoint/2012/main" xmlns=""/>
+      <p15:notesGuideLst xmlns="" xmlns:p15="http://schemas.microsoft.com/office/powerpoint/2012/main"/>
     </p:ext>
   </p:extLst>
 </p:presentation>
@@ -208,7 +219,7 @@
           <a:p>
             <a:fld id="{1D55F8A3-8A3D-4964-8D6E-1F06CF8D0003}" type="datetimeFigureOut">
               <a:rPr lang="zh-CN" altLang="en-US" smtClean="0"/>
-              <a:t>2014/5/27</a:t>
+              <a:t>2014/5/28</a:t>
             </a:fld>
             <a:endParaRPr lang="zh-CN" altLang="en-US"/>
           </a:p>
@@ -373,7 +384,7 @@
           <a:p>
             <a:fld id="{0D5361A6-A848-47C8-918E-A80CE896BF9B}" type="datetimeFigureOut">
               <a:rPr lang="zh-CN" altLang="en-US" smtClean="0"/>
-              <a:t>2014/5/27</a:t>
+              <a:t>2014/5/28</a:t>
             </a:fld>
             <a:endParaRPr lang="zh-CN" altLang="en-US"/>
           </a:p>
@@ -728,6 +739,1050 @@
 </p:notes>
 </file>
 
+<file path=ppt/notesSlides/notesSlide10.xml><?xml version="1.0" encoding="utf-8"?>
+<p:notes xmlns:a="http://schemas.openxmlformats.org/drawingml/2006/main" xmlns:r="http://schemas.openxmlformats.org/officeDocument/2006/relationships" xmlns:p="http://schemas.openxmlformats.org/presentationml/2006/main">
+  <p:cSld>
+    <p:spTree>
+      <p:nvGrpSpPr>
+        <p:cNvPr id="1" name=""/>
+        <p:cNvGrpSpPr/>
+        <p:nvPr/>
+      </p:nvGrpSpPr>
+      <p:grpSpPr>
+        <a:xfrm>
+          <a:off x="0" y="0"/>
+          <a:ext cx="0" cy="0"/>
+          <a:chOff x="0" y="0"/>
+          <a:chExt cx="0" cy="0"/>
+        </a:xfrm>
+      </p:grpSpPr>
+      <p:sp>
+        <p:nvSpPr>
+          <p:cNvPr id="2" name="Slide Image Placeholder 1"/>
+          <p:cNvSpPr>
+            <a:spLocks noGrp="1" noRot="1" noChangeAspect="1"/>
+          </p:cNvSpPr>
+          <p:nvPr>
+            <p:ph type="sldImg"/>
+          </p:nvPr>
+        </p:nvSpPr>
+        <p:spPr/>
+      </p:sp>
+      <p:sp>
+        <p:nvSpPr>
+          <p:cNvPr id="3" name="Notes Placeholder 2"/>
+          <p:cNvSpPr>
+            <a:spLocks noGrp="1"/>
+          </p:cNvSpPr>
+          <p:nvPr>
+            <p:ph type="body" idx="1"/>
+          </p:nvPr>
+        </p:nvSpPr>
+        <p:spPr/>
+        <p:txBody>
+          <a:bodyPr/>
+          <a:lstStyle/>
+          <a:p>
+            <a:pPr marL="228600" indent="-228600">
+              <a:buAutoNum type="arabicPeriod"/>
+            </a:pPr>
+            <a:endParaRPr lang="en-US" altLang="zh-CN" dirty="0" smtClean="0"/>
+          </a:p>
+        </p:txBody>
+      </p:sp>
+      <p:sp>
+        <p:nvSpPr>
+          <p:cNvPr id="4" name="Slide Number Placeholder 3"/>
+          <p:cNvSpPr>
+            <a:spLocks noGrp="1"/>
+          </p:cNvSpPr>
+          <p:nvPr>
+            <p:ph type="sldNum" sz="quarter" idx="10"/>
+          </p:nvPr>
+        </p:nvSpPr>
+        <p:spPr/>
+        <p:txBody>
+          <a:bodyPr/>
+          <a:lstStyle/>
+          <a:p>
+            <a:fld id="{8E9493AE-D341-496D-8215-8087389C736E}" type="slidenum">
+              <a:rPr lang="zh-CN" altLang="en-US" smtClean="0"/>
+              <a:t>14</a:t>
+            </a:fld>
+            <a:endParaRPr lang="zh-CN" altLang="en-US"/>
+          </a:p>
+        </p:txBody>
+      </p:sp>
+    </p:spTree>
+    <p:extLst>
+      <p:ext uri="{BB962C8B-B14F-4D97-AF65-F5344CB8AC3E}">
+        <p14:creationId xmlns:p14="http://schemas.microsoft.com/office/powerpoint/2010/main" val="1977940948"/>
+      </p:ext>
+    </p:extLst>
+  </p:cSld>
+  <p:clrMapOvr>
+    <a:masterClrMapping/>
+  </p:clrMapOvr>
+</p:notes>
+</file>
+
+<file path=ppt/notesSlides/notesSlide11.xml><?xml version="1.0" encoding="utf-8"?>
+<p:notes xmlns:a="http://schemas.openxmlformats.org/drawingml/2006/main" xmlns:r="http://schemas.openxmlformats.org/officeDocument/2006/relationships" xmlns:p="http://schemas.openxmlformats.org/presentationml/2006/main">
+  <p:cSld>
+    <p:spTree>
+      <p:nvGrpSpPr>
+        <p:cNvPr id="1" name=""/>
+        <p:cNvGrpSpPr/>
+        <p:nvPr/>
+      </p:nvGrpSpPr>
+      <p:grpSpPr>
+        <a:xfrm>
+          <a:off x="0" y="0"/>
+          <a:ext cx="0" cy="0"/>
+          <a:chOff x="0" y="0"/>
+          <a:chExt cx="0" cy="0"/>
+        </a:xfrm>
+      </p:grpSpPr>
+      <p:sp>
+        <p:nvSpPr>
+          <p:cNvPr id="2" name="Slide Image Placeholder 1"/>
+          <p:cNvSpPr>
+            <a:spLocks noGrp="1" noRot="1" noChangeAspect="1"/>
+          </p:cNvSpPr>
+          <p:nvPr>
+            <p:ph type="sldImg"/>
+          </p:nvPr>
+        </p:nvSpPr>
+        <p:spPr/>
+      </p:sp>
+      <p:sp>
+        <p:nvSpPr>
+          <p:cNvPr id="3" name="Notes Placeholder 2"/>
+          <p:cNvSpPr>
+            <a:spLocks noGrp="1"/>
+          </p:cNvSpPr>
+          <p:nvPr>
+            <p:ph type="body" idx="1"/>
+          </p:nvPr>
+        </p:nvSpPr>
+        <p:spPr/>
+        <p:txBody>
+          <a:bodyPr/>
+          <a:lstStyle/>
+          <a:p>
+            <a:pPr marL="228600" indent="-228600">
+              <a:buAutoNum type="arabicPeriod"/>
+            </a:pPr>
+            <a:endParaRPr lang="en-US" altLang="zh-CN" dirty="0" smtClean="0"/>
+          </a:p>
+        </p:txBody>
+      </p:sp>
+      <p:sp>
+        <p:nvSpPr>
+          <p:cNvPr id="4" name="Slide Number Placeholder 3"/>
+          <p:cNvSpPr>
+            <a:spLocks noGrp="1"/>
+          </p:cNvSpPr>
+          <p:nvPr>
+            <p:ph type="sldNum" sz="quarter" idx="10"/>
+          </p:nvPr>
+        </p:nvSpPr>
+        <p:spPr/>
+        <p:txBody>
+          <a:bodyPr/>
+          <a:lstStyle/>
+          <a:p>
+            <a:fld id="{8E9493AE-D341-496D-8215-8087389C736E}" type="slidenum">
+              <a:rPr lang="zh-CN" altLang="en-US" smtClean="0"/>
+              <a:t>15</a:t>
+            </a:fld>
+            <a:endParaRPr lang="zh-CN" altLang="en-US"/>
+          </a:p>
+        </p:txBody>
+      </p:sp>
+    </p:spTree>
+    <p:extLst>
+      <p:ext uri="{BB962C8B-B14F-4D97-AF65-F5344CB8AC3E}">
+        <p14:creationId xmlns:p14="http://schemas.microsoft.com/office/powerpoint/2010/main" val="1977940948"/>
+      </p:ext>
+    </p:extLst>
+  </p:cSld>
+  <p:clrMapOvr>
+    <a:masterClrMapping/>
+  </p:clrMapOvr>
+</p:notes>
+</file>
+
+<file path=ppt/notesSlides/notesSlide12.xml><?xml version="1.0" encoding="utf-8"?>
+<p:notes xmlns:a="http://schemas.openxmlformats.org/drawingml/2006/main" xmlns:r="http://schemas.openxmlformats.org/officeDocument/2006/relationships" xmlns:p="http://schemas.openxmlformats.org/presentationml/2006/main">
+  <p:cSld>
+    <p:spTree>
+      <p:nvGrpSpPr>
+        <p:cNvPr id="1" name=""/>
+        <p:cNvGrpSpPr/>
+        <p:nvPr/>
+      </p:nvGrpSpPr>
+      <p:grpSpPr>
+        <a:xfrm>
+          <a:off x="0" y="0"/>
+          <a:ext cx="0" cy="0"/>
+          <a:chOff x="0" y="0"/>
+          <a:chExt cx="0" cy="0"/>
+        </a:xfrm>
+      </p:grpSpPr>
+      <p:sp>
+        <p:nvSpPr>
+          <p:cNvPr id="2" name="Slide Image Placeholder 1"/>
+          <p:cNvSpPr>
+            <a:spLocks noGrp="1" noRot="1" noChangeAspect="1"/>
+          </p:cNvSpPr>
+          <p:nvPr>
+            <p:ph type="sldImg"/>
+          </p:nvPr>
+        </p:nvSpPr>
+        <p:spPr/>
+      </p:sp>
+      <p:sp>
+        <p:nvSpPr>
+          <p:cNvPr id="3" name="Notes Placeholder 2"/>
+          <p:cNvSpPr>
+            <a:spLocks noGrp="1"/>
+          </p:cNvSpPr>
+          <p:nvPr>
+            <p:ph type="body" idx="1"/>
+          </p:nvPr>
+        </p:nvSpPr>
+        <p:spPr/>
+        <p:txBody>
+          <a:bodyPr/>
+          <a:lstStyle/>
+          <a:p>
+            <a:pPr marL="228600" indent="-228600">
+              <a:buAutoNum type="arabicPeriod"/>
+            </a:pPr>
+            <a:endParaRPr lang="en-US" altLang="zh-CN" dirty="0" smtClean="0"/>
+          </a:p>
+        </p:txBody>
+      </p:sp>
+      <p:sp>
+        <p:nvSpPr>
+          <p:cNvPr id="4" name="Slide Number Placeholder 3"/>
+          <p:cNvSpPr>
+            <a:spLocks noGrp="1"/>
+          </p:cNvSpPr>
+          <p:nvPr>
+            <p:ph type="sldNum" sz="quarter" idx="10"/>
+          </p:nvPr>
+        </p:nvSpPr>
+        <p:spPr/>
+        <p:txBody>
+          <a:bodyPr/>
+          <a:lstStyle/>
+          <a:p>
+            <a:fld id="{8E9493AE-D341-496D-8215-8087389C736E}" type="slidenum">
+              <a:rPr lang="zh-CN" altLang="en-US" smtClean="0"/>
+              <a:t>16</a:t>
+            </a:fld>
+            <a:endParaRPr lang="zh-CN" altLang="en-US"/>
+          </a:p>
+        </p:txBody>
+      </p:sp>
+    </p:spTree>
+    <p:extLst>
+      <p:ext uri="{BB962C8B-B14F-4D97-AF65-F5344CB8AC3E}">
+        <p14:creationId xmlns:p14="http://schemas.microsoft.com/office/powerpoint/2010/main" val="1977940948"/>
+      </p:ext>
+    </p:extLst>
+  </p:cSld>
+  <p:clrMapOvr>
+    <a:masterClrMapping/>
+  </p:clrMapOvr>
+</p:notes>
+</file>
+
+<file path=ppt/notesSlides/notesSlide13.xml><?xml version="1.0" encoding="utf-8"?>
+<p:notes xmlns:a="http://schemas.openxmlformats.org/drawingml/2006/main" xmlns:r="http://schemas.openxmlformats.org/officeDocument/2006/relationships" xmlns:p="http://schemas.openxmlformats.org/presentationml/2006/main">
+  <p:cSld>
+    <p:spTree>
+      <p:nvGrpSpPr>
+        <p:cNvPr id="1" name=""/>
+        <p:cNvGrpSpPr/>
+        <p:nvPr/>
+      </p:nvGrpSpPr>
+      <p:grpSpPr>
+        <a:xfrm>
+          <a:off x="0" y="0"/>
+          <a:ext cx="0" cy="0"/>
+          <a:chOff x="0" y="0"/>
+          <a:chExt cx="0" cy="0"/>
+        </a:xfrm>
+      </p:grpSpPr>
+      <p:sp>
+        <p:nvSpPr>
+          <p:cNvPr id="2" name="Slide Image Placeholder 1"/>
+          <p:cNvSpPr>
+            <a:spLocks noGrp="1" noRot="1" noChangeAspect="1"/>
+          </p:cNvSpPr>
+          <p:nvPr>
+            <p:ph type="sldImg"/>
+          </p:nvPr>
+        </p:nvSpPr>
+        <p:spPr/>
+      </p:sp>
+      <p:sp>
+        <p:nvSpPr>
+          <p:cNvPr id="3" name="Notes Placeholder 2"/>
+          <p:cNvSpPr>
+            <a:spLocks noGrp="1"/>
+          </p:cNvSpPr>
+          <p:nvPr>
+            <p:ph type="body" idx="1"/>
+          </p:nvPr>
+        </p:nvSpPr>
+        <p:spPr/>
+        <p:txBody>
+          <a:bodyPr/>
+          <a:lstStyle/>
+          <a:p>
+            <a:pPr marL="228600" indent="-228600">
+              <a:buAutoNum type="arabicPeriod"/>
+            </a:pPr>
+            <a:endParaRPr lang="en-US" altLang="zh-CN" dirty="0" smtClean="0"/>
+          </a:p>
+        </p:txBody>
+      </p:sp>
+      <p:sp>
+        <p:nvSpPr>
+          <p:cNvPr id="4" name="Slide Number Placeholder 3"/>
+          <p:cNvSpPr>
+            <a:spLocks noGrp="1"/>
+          </p:cNvSpPr>
+          <p:nvPr>
+            <p:ph type="sldNum" sz="quarter" idx="10"/>
+          </p:nvPr>
+        </p:nvSpPr>
+        <p:spPr/>
+        <p:txBody>
+          <a:bodyPr/>
+          <a:lstStyle/>
+          <a:p>
+            <a:fld id="{8E9493AE-D341-496D-8215-8087389C736E}" type="slidenum">
+              <a:rPr lang="zh-CN" altLang="en-US" smtClean="0"/>
+              <a:t>17</a:t>
+            </a:fld>
+            <a:endParaRPr lang="zh-CN" altLang="en-US"/>
+          </a:p>
+        </p:txBody>
+      </p:sp>
+    </p:spTree>
+    <p:extLst>
+      <p:ext uri="{BB962C8B-B14F-4D97-AF65-F5344CB8AC3E}">
+        <p14:creationId xmlns:p14="http://schemas.microsoft.com/office/powerpoint/2010/main" val="1977940948"/>
+      </p:ext>
+    </p:extLst>
+  </p:cSld>
+  <p:clrMapOvr>
+    <a:masterClrMapping/>
+  </p:clrMapOvr>
+</p:notes>
+</file>
+
+<file path=ppt/notesSlides/notesSlide2.xml><?xml version="1.0" encoding="utf-8"?>
+<p:notes xmlns:a="http://schemas.openxmlformats.org/drawingml/2006/main" xmlns:r="http://schemas.openxmlformats.org/officeDocument/2006/relationships" xmlns:p="http://schemas.openxmlformats.org/presentationml/2006/main">
+  <p:cSld>
+    <p:spTree>
+      <p:nvGrpSpPr>
+        <p:cNvPr id="1" name=""/>
+        <p:cNvGrpSpPr/>
+        <p:nvPr/>
+      </p:nvGrpSpPr>
+      <p:grpSpPr>
+        <a:xfrm>
+          <a:off x="0" y="0"/>
+          <a:ext cx="0" cy="0"/>
+          <a:chOff x="0" y="0"/>
+          <a:chExt cx="0" cy="0"/>
+        </a:xfrm>
+      </p:grpSpPr>
+      <p:sp>
+        <p:nvSpPr>
+          <p:cNvPr id="2" name="Slide Image Placeholder 1"/>
+          <p:cNvSpPr>
+            <a:spLocks noGrp="1" noRot="1" noChangeAspect="1"/>
+          </p:cNvSpPr>
+          <p:nvPr>
+            <p:ph type="sldImg"/>
+          </p:nvPr>
+        </p:nvSpPr>
+        <p:spPr/>
+      </p:sp>
+      <p:sp>
+        <p:nvSpPr>
+          <p:cNvPr id="3" name="Notes Placeholder 2"/>
+          <p:cNvSpPr>
+            <a:spLocks noGrp="1"/>
+          </p:cNvSpPr>
+          <p:nvPr>
+            <p:ph type="body" idx="1"/>
+          </p:nvPr>
+        </p:nvSpPr>
+        <p:spPr/>
+        <p:txBody>
+          <a:bodyPr/>
+          <a:lstStyle/>
+          <a:p>
+            <a:pPr marL="228600" indent="-228600">
+              <a:buAutoNum type="arabicPeriod"/>
+            </a:pPr>
+            <a:endParaRPr lang="en-US" altLang="zh-CN" dirty="0" smtClean="0"/>
+          </a:p>
+        </p:txBody>
+      </p:sp>
+      <p:sp>
+        <p:nvSpPr>
+          <p:cNvPr id="4" name="Slide Number Placeholder 3"/>
+          <p:cNvSpPr>
+            <a:spLocks noGrp="1"/>
+          </p:cNvSpPr>
+          <p:nvPr>
+            <p:ph type="sldNum" sz="quarter" idx="10"/>
+          </p:nvPr>
+        </p:nvSpPr>
+        <p:spPr/>
+        <p:txBody>
+          <a:bodyPr/>
+          <a:lstStyle/>
+          <a:p>
+            <a:fld id="{8E9493AE-D341-496D-8215-8087389C736E}" type="slidenum">
+              <a:rPr lang="zh-CN" altLang="en-US" smtClean="0"/>
+              <a:t>6</a:t>
+            </a:fld>
+            <a:endParaRPr lang="zh-CN" altLang="en-US"/>
+          </a:p>
+        </p:txBody>
+      </p:sp>
+    </p:spTree>
+    <p:extLst>
+      <p:ext uri="{BB962C8B-B14F-4D97-AF65-F5344CB8AC3E}">
+        <p14:creationId xmlns:p14="http://schemas.microsoft.com/office/powerpoint/2010/main" val="1977940948"/>
+      </p:ext>
+    </p:extLst>
+  </p:cSld>
+  <p:clrMapOvr>
+    <a:masterClrMapping/>
+  </p:clrMapOvr>
+</p:notes>
+</file>
+
+<file path=ppt/notesSlides/notesSlide3.xml><?xml version="1.0" encoding="utf-8"?>
+<p:notes xmlns:a="http://schemas.openxmlformats.org/drawingml/2006/main" xmlns:r="http://schemas.openxmlformats.org/officeDocument/2006/relationships" xmlns:p="http://schemas.openxmlformats.org/presentationml/2006/main">
+  <p:cSld>
+    <p:spTree>
+      <p:nvGrpSpPr>
+        <p:cNvPr id="1" name=""/>
+        <p:cNvGrpSpPr/>
+        <p:nvPr/>
+      </p:nvGrpSpPr>
+      <p:grpSpPr>
+        <a:xfrm>
+          <a:off x="0" y="0"/>
+          <a:ext cx="0" cy="0"/>
+          <a:chOff x="0" y="0"/>
+          <a:chExt cx="0" cy="0"/>
+        </a:xfrm>
+      </p:grpSpPr>
+      <p:sp>
+        <p:nvSpPr>
+          <p:cNvPr id="2" name="Slide Image Placeholder 1"/>
+          <p:cNvSpPr>
+            <a:spLocks noGrp="1" noRot="1" noChangeAspect="1"/>
+          </p:cNvSpPr>
+          <p:nvPr>
+            <p:ph type="sldImg"/>
+          </p:nvPr>
+        </p:nvSpPr>
+        <p:spPr/>
+      </p:sp>
+      <p:sp>
+        <p:nvSpPr>
+          <p:cNvPr id="3" name="Notes Placeholder 2"/>
+          <p:cNvSpPr>
+            <a:spLocks noGrp="1"/>
+          </p:cNvSpPr>
+          <p:nvPr>
+            <p:ph type="body" idx="1"/>
+          </p:nvPr>
+        </p:nvSpPr>
+        <p:spPr/>
+        <p:txBody>
+          <a:bodyPr/>
+          <a:lstStyle/>
+          <a:p>
+            <a:pPr marL="228600" indent="-228600">
+              <a:buAutoNum type="arabicPeriod"/>
+            </a:pPr>
+            <a:endParaRPr lang="en-US" altLang="zh-CN" dirty="0" smtClean="0"/>
+          </a:p>
+        </p:txBody>
+      </p:sp>
+      <p:sp>
+        <p:nvSpPr>
+          <p:cNvPr id="4" name="Slide Number Placeholder 3"/>
+          <p:cNvSpPr>
+            <a:spLocks noGrp="1"/>
+          </p:cNvSpPr>
+          <p:nvPr>
+            <p:ph type="sldNum" sz="quarter" idx="10"/>
+          </p:nvPr>
+        </p:nvSpPr>
+        <p:spPr/>
+        <p:txBody>
+          <a:bodyPr/>
+          <a:lstStyle/>
+          <a:p>
+            <a:fld id="{8E9493AE-D341-496D-8215-8087389C736E}" type="slidenum">
+              <a:rPr lang="zh-CN" altLang="en-US" smtClean="0"/>
+              <a:t>7</a:t>
+            </a:fld>
+            <a:endParaRPr lang="zh-CN" altLang="en-US"/>
+          </a:p>
+        </p:txBody>
+      </p:sp>
+    </p:spTree>
+    <p:extLst>
+      <p:ext uri="{BB962C8B-B14F-4D97-AF65-F5344CB8AC3E}">
+        <p14:creationId xmlns:p14="http://schemas.microsoft.com/office/powerpoint/2010/main" val="1977940948"/>
+      </p:ext>
+    </p:extLst>
+  </p:cSld>
+  <p:clrMapOvr>
+    <a:masterClrMapping/>
+  </p:clrMapOvr>
+</p:notes>
+</file>
+
+<file path=ppt/notesSlides/notesSlide4.xml><?xml version="1.0" encoding="utf-8"?>
+<p:notes xmlns:a="http://schemas.openxmlformats.org/drawingml/2006/main" xmlns:r="http://schemas.openxmlformats.org/officeDocument/2006/relationships" xmlns:p="http://schemas.openxmlformats.org/presentationml/2006/main">
+  <p:cSld>
+    <p:spTree>
+      <p:nvGrpSpPr>
+        <p:cNvPr id="1" name=""/>
+        <p:cNvGrpSpPr/>
+        <p:nvPr/>
+      </p:nvGrpSpPr>
+      <p:grpSpPr>
+        <a:xfrm>
+          <a:off x="0" y="0"/>
+          <a:ext cx="0" cy="0"/>
+          <a:chOff x="0" y="0"/>
+          <a:chExt cx="0" cy="0"/>
+        </a:xfrm>
+      </p:grpSpPr>
+      <p:sp>
+        <p:nvSpPr>
+          <p:cNvPr id="2" name="Slide Image Placeholder 1"/>
+          <p:cNvSpPr>
+            <a:spLocks noGrp="1" noRot="1" noChangeAspect="1"/>
+          </p:cNvSpPr>
+          <p:nvPr>
+            <p:ph type="sldImg"/>
+          </p:nvPr>
+        </p:nvSpPr>
+        <p:spPr/>
+      </p:sp>
+      <p:sp>
+        <p:nvSpPr>
+          <p:cNvPr id="3" name="Notes Placeholder 2"/>
+          <p:cNvSpPr>
+            <a:spLocks noGrp="1"/>
+          </p:cNvSpPr>
+          <p:nvPr>
+            <p:ph type="body" idx="1"/>
+          </p:nvPr>
+        </p:nvSpPr>
+        <p:spPr/>
+        <p:txBody>
+          <a:bodyPr/>
+          <a:lstStyle/>
+          <a:p>
+            <a:pPr marL="228600" indent="-228600">
+              <a:buAutoNum type="arabicPeriod"/>
+            </a:pPr>
+            <a:endParaRPr lang="en-US" altLang="zh-CN" dirty="0" smtClean="0"/>
+          </a:p>
+        </p:txBody>
+      </p:sp>
+      <p:sp>
+        <p:nvSpPr>
+          <p:cNvPr id="4" name="Slide Number Placeholder 3"/>
+          <p:cNvSpPr>
+            <a:spLocks noGrp="1"/>
+          </p:cNvSpPr>
+          <p:nvPr>
+            <p:ph type="sldNum" sz="quarter" idx="10"/>
+          </p:nvPr>
+        </p:nvSpPr>
+        <p:spPr/>
+        <p:txBody>
+          <a:bodyPr/>
+          <a:lstStyle/>
+          <a:p>
+            <a:fld id="{8E9493AE-D341-496D-8215-8087389C736E}" type="slidenum">
+              <a:rPr lang="zh-CN" altLang="en-US" smtClean="0"/>
+              <a:t>8</a:t>
+            </a:fld>
+            <a:endParaRPr lang="zh-CN" altLang="en-US"/>
+          </a:p>
+        </p:txBody>
+      </p:sp>
+    </p:spTree>
+    <p:extLst>
+      <p:ext uri="{BB962C8B-B14F-4D97-AF65-F5344CB8AC3E}">
+        <p14:creationId xmlns:p14="http://schemas.microsoft.com/office/powerpoint/2010/main" val="1977940948"/>
+      </p:ext>
+    </p:extLst>
+  </p:cSld>
+  <p:clrMapOvr>
+    <a:masterClrMapping/>
+  </p:clrMapOvr>
+</p:notes>
+</file>
+
+<file path=ppt/notesSlides/notesSlide5.xml><?xml version="1.0" encoding="utf-8"?>
+<p:notes xmlns:a="http://schemas.openxmlformats.org/drawingml/2006/main" xmlns:r="http://schemas.openxmlformats.org/officeDocument/2006/relationships" xmlns:p="http://schemas.openxmlformats.org/presentationml/2006/main">
+  <p:cSld>
+    <p:spTree>
+      <p:nvGrpSpPr>
+        <p:cNvPr id="1" name=""/>
+        <p:cNvGrpSpPr/>
+        <p:nvPr/>
+      </p:nvGrpSpPr>
+      <p:grpSpPr>
+        <a:xfrm>
+          <a:off x="0" y="0"/>
+          <a:ext cx="0" cy="0"/>
+          <a:chOff x="0" y="0"/>
+          <a:chExt cx="0" cy="0"/>
+        </a:xfrm>
+      </p:grpSpPr>
+      <p:sp>
+        <p:nvSpPr>
+          <p:cNvPr id="2" name="Slide Image Placeholder 1"/>
+          <p:cNvSpPr>
+            <a:spLocks noGrp="1" noRot="1" noChangeAspect="1"/>
+          </p:cNvSpPr>
+          <p:nvPr>
+            <p:ph type="sldImg"/>
+          </p:nvPr>
+        </p:nvSpPr>
+        <p:spPr/>
+      </p:sp>
+      <p:sp>
+        <p:nvSpPr>
+          <p:cNvPr id="3" name="Notes Placeholder 2"/>
+          <p:cNvSpPr>
+            <a:spLocks noGrp="1"/>
+          </p:cNvSpPr>
+          <p:nvPr>
+            <p:ph type="body" idx="1"/>
+          </p:nvPr>
+        </p:nvSpPr>
+        <p:spPr/>
+        <p:txBody>
+          <a:bodyPr/>
+          <a:lstStyle/>
+          <a:p>
+            <a:pPr marL="228600" indent="-228600">
+              <a:buAutoNum type="arabicPeriod"/>
+            </a:pPr>
+            <a:endParaRPr lang="en-US" altLang="zh-CN" dirty="0" smtClean="0"/>
+          </a:p>
+        </p:txBody>
+      </p:sp>
+      <p:sp>
+        <p:nvSpPr>
+          <p:cNvPr id="4" name="Slide Number Placeholder 3"/>
+          <p:cNvSpPr>
+            <a:spLocks noGrp="1"/>
+          </p:cNvSpPr>
+          <p:nvPr>
+            <p:ph type="sldNum" sz="quarter" idx="10"/>
+          </p:nvPr>
+        </p:nvSpPr>
+        <p:spPr/>
+        <p:txBody>
+          <a:bodyPr/>
+          <a:lstStyle/>
+          <a:p>
+            <a:fld id="{8E9493AE-D341-496D-8215-8087389C736E}" type="slidenum">
+              <a:rPr lang="zh-CN" altLang="en-US" smtClean="0"/>
+              <a:t>9</a:t>
+            </a:fld>
+            <a:endParaRPr lang="zh-CN" altLang="en-US"/>
+          </a:p>
+        </p:txBody>
+      </p:sp>
+    </p:spTree>
+    <p:extLst>
+      <p:ext uri="{BB962C8B-B14F-4D97-AF65-F5344CB8AC3E}">
+        <p14:creationId xmlns:p14="http://schemas.microsoft.com/office/powerpoint/2010/main" val="1977940948"/>
+      </p:ext>
+    </p:extLst>
+  </p:cSld>
+  <p:clrMapOvr>
+    <a:masterClrMapping/>
+  </p:clrMapOvr>
+</p:notes>
+</file>
+
+<file path=ppt/notesSlides/notesSlide6.xml><?xml version="1.0" encoding="utf-8"?>
+<p:notes xmlns:a="http://schemas.openxmlformats.org/drawingml/2006/main" xmlns:r="http://schemas.openxmlformats.org/officeDocument/2006/relationships" xmlns:p="http://schemas.openxmlformats.org/presentationml/2006/main">
+  <p:cSld>
+    <p:spTree>
+      <p:nvGrpSpPr>
+        <p:cNvPr id="1" name=""/>
+        <p:cNvGrpSpPr/>
+        <p:nvPr/>
+      </p:nvGrpSpPr>
+      <p:grpSpPr>
+        <a:xfrm>
+          <a:off x="0" y="0"/>
+          <a:ext cx="0" cy="0"/>
+          <a:chOff x="0" y="0"/>
+          <a:chExt cx="0" cy="0"/>
+        </a:xfrm>
+      </p:grpSpPr>
+      <p:sp>
+        <p:nvSpPr>
+          <p:cNvPr id="2" name="Slide Image Placeholder 1"/>
+          <p:cNvSpPr>
+            <a:spLocks noGrp="1" noRot="1" noChangeAspect="1"/>
+          </p:cNvSpPr>
+          <p:nvPr>
+            <p:ph type="sldImg"/>
+          </p:nvPr>
+        </p:nvSpPr>
+        <p:spPr/>
+      </p:sp>
+      <p:sp>
+        <p:nvSpPr>
+          <p:cNvPr id="3" name="Notes Placeholder 2"/>
+          <p:cNvSpPr>
+            <a:spLocks noGrp="1"/>
+          </p:cNvSpPr>
+          <p:nvPr>
+            <p:ph type="body" idx="1"/>
+          </p:nvPr>
+        </p:nvSpPr>
+        <p:spPr/>
+        <p:txBody>
+          <a:bodyPr/>
+          <a:lstStyle/>
+          <a:p>
+            <a:pPr marL="228600" indent="-228600">
+              <a:buAutoNum type="arabicPeriod"/>
+            </a:pPr>
+            <a:endParaRPr lang="en-US" altLang="zh-CN" dirty="0" smtClean="0"/>
+          </a:p>
+        </p:txBody>
+      </p:sp>
+      <p:sp>
+        <p:nvSpPr>
+          <p:cNvPr id="4" name="Slide Number Placeholder 3"/>
+          <p:cNvSpPr>
+            <a:spLocks noGrp="1"/>
+          </p:cNvSpPr>
+          <p:nvPr>
+            <p:ph type="sldNum" sz="quarter" idx="10"/>
+          </p:nvPr>
+        </p:nvSpPr>
+        <p:spPr/>
+        <p:txBody>
+          <a:bodyPr/>
+          <a:lstStyle/>
+          <a:p>
+            <a:fld id="{8E9493AE-D341-496D-8215-8087389C736E}" type="slidenum">
+              <a:rPr lang="zh-CN" altLang="en-US" smtClean="0"/>
+              <a:t>10</a:t>
+            </a:fld>
+            <a:endParaRPr lang="zh-CN" altLang="en-US"/>
+          </a:p>
+        </p:txBody>
+      </p:sp>
+    </p:spTree>
+    <p:extLst>
+      <p:ext uri="{BB962C8B-B14F-4D97-AF65-F5344CB8AC3E}">
+        <p14:creationId xmlns:p14="http://schemas.microsoft.com/office/powerpoint/2010/main" val="1977940948"/>
+      </p:ext>
+    </p:extLst>
+  </p:cSld>
+  <p:clrMapOvr>
+    <a:masterClrMapping/>
+  </p:clrMapOvr>
+</p:notes>
+</file>
+
+<file path=ppt/notesSlides/notesSlide7.xml><?xml version="1.0" encoding="utf-8"?>
+<p:notes xmlns:a="http://schemas.openxmlformats.org/drawingml/2006/main" xmlns:r="http://schemas.openxmlformats.org/officeDocument/2006/relationships" xmlns:p="http://schemas.openxmlformats.org/presentationml/2006/main">
+  <p:cSld>
+    <p:spTree>
+      <p:nvGrpSpPr>
+        <p:cNvPr id="1" name=""/>
+        <p:cNvGrpSpPr/>
+        <p:nvPr/>
+      </p:nvGrpSpPr>
+      <p:grpSpPr>
+        <a:xfrm>
+          <a:off x="0" y="0"/>
+          <a:ext cx="0" cy="0"/>
+          <a:chOff x="0" y="0"/>
+          <a:chExt cx="0" cy="0"/>
+        </a:xfrm>
+      </p:grpSpPr>
+      <p:sp>
+        <p:nvSpPr>
+          <p:cNvPr id="2" name="Slide Image Placeholder 1"/>
+          <p:cNvSpPr>
+            <a:spLocks noGrp="1" noRot="1" noChangeAspect="1"/>
+          </p:cNvSpPr>
+          <p:nvPr>
+            <p:ph type="sldImg"/>
+          </p:nvPr>
+        </p:nvSpPr>
+        <p:spPr/>
+      </p:sp>
+      <p:sp>
+        <p:nvSpPr>
+          <p:cNvPr id="3" name="Notes Placeholder 2"/>
+          <p:cNvSpPr>
+            <a:spLocks noGrp="1"/>
+          </p:cNvSpPr>
+          <p:nvPr>
+            <p:ph type="body" idx="1"/>
+          </p:nvPr>
+        </p:nvSpPr>
+        <p:spPr/>
+        <p:txBody>
+          <a:bodyPr/>
+          <a:lstStyle/>
+          <a:p>
+            <a:pPr marL="228600" indent="-228600">
+              <a:buAutoNum type="arabicPeriod"/>
+            </a:pPr>
+            <a:endParaRPr lang="en-US" altLang="zh-CN" dirty="0" smtClean="0"/>
+          </a:p>
+        </p:txBody>
+      </p:sp>
+      <p:sp>
+        <p:nvSpPr>
+          <p:cNvPr id="4" name="Slide Number Placeholder 3"/>
+          <p:cNvSpPr>
+            <a:spLocks noGrp="1"/>
+          </p:cNvSpPr>
+          <p:nvPr>
+            <p:ph type="sldNum" sz="quarter" idx="10"/>
+          </p:nvPr>
+        </p:nvSpPr>
+        <p:spPr/>
+        <p:txBody>
+          <a:bodyPr/>
+          <a:lstStyle/>
+          <a:p>
+            <a:fld id="{8E9493AE-D341-496D-8215-8087389C736E}" type="slidenum">
+              <a:rPr lang="zh-CN" altLang="en-US" smtClean="0"/>
+              <a:t>11</a:t>
+            </a:fld>
+            <a:endParaRPr lang="zh-CN" altLang="en-US"/>
+          </a:p>
+        </p:txBody>
+      </p:sp>
+    </p:spTree>
+    <p:extLst>
+      <p:ext uri="{BB962C8B-B14F-4D97-AF65-F5344CB8AC3E}">
+        <p14:creationId xmlns:p14="http://schemas.microsoft.com/office/powerpoint/2010/main" val="1977940948"/>
+      </p:ext>
+    </p:extLst>
+  </p:cSld>
+  <p:clrMapOvr>
+    <a:masterClrMapping/>
+  </p:clrMapOvr>
+</p:notes>
+</file>
+
+<file path=ppt/notesSlides/notesSlide8.xml><?xml version="1.0" encoding="utf-8"?>
+<p:notes xmlns:a="http://schemas.openxmlformats.org/drawingml/2006/main" xmlns:r="http://schemas.openxmlformats.org/officeDocument/2006/relationships" xmlns:p="http://schemas.openxmlformats.org/presentationml/2006/main">
+  <p:cSld>
+    <p:spTree>
+      <p:nvGrpSpPr>
+        <p:cNvPr id="1" name=""/>
+        <p:cNvGrpSpPr/>
+        <p:nvPr/>
+      </p:nvGrpSpPr>
+      <p:grpSpPr>
+        <a:xfrm>
+          <a:off x="0" y="0"/>
+          <a:ext cx="0" cy="0"/>
+          <a:chOff x="0" y="0"/>
+          <a:chExt cx="0" cy="0"/>
+        </a:xfrm>
+      </p:grpSpPr>
+      <p:sp>
+        <p:nvSpPr>
+          <p:cNvPr id="2" name="Slide Image Placeholder 1"/>
+          <p:cNvSpPr>
+            <a:spLocks noGrp="1" noRot="1" noChangeAspect="1"/>
+          </p:cNvSpPr>
+          <p:nvPr>
+            <p:ph type="sldImg"/>
+          </p:nvPr>
+        </p:nvSpPr>
+        <p:spPr/>
+      </p:sp>
+      <p:sp>
+        <p:nvSpPr>
+          <p:cNvPr id="3" name="Notes Placeholder 2"/>
+          <p:cNvSpPr>
+            <a:spLocks noGrp="1"/>
+          </p:cNvSpPr>
+          <p:nvPr>
+            <p:ph type="body" idx="1"/>
+          </p:nvPr>
+        </p:nvSpPr>
+        <p:spPr/>
+        <p:txBody>
+          <a:bodyPr/>
+          <a:lstStyle/>
+          <a:p>
+            <a:pPr marL="228600" indent="-228600">
+              <a:buAutoNum type="arabicPeriod"/>
+            </a:pPr>
+            <a:endParaRPr lang="en-US" altLang="zh-CN" dirty="0" smtClean="0"/>
+          </a:p>
+        </p:txBody>
+      </p:sp>
+      <p:sp>
+        <p:nvSpPr>
+          <p:cNvPr id="4" name="Slide Number Placeholder 3"/>
+          <p:cNvSpPr>
+            <a:spLocks noGrp="1"/>
+          </p:cNvSpPr>
+          <p:nvPr>
+            <p:ph type="sldNum" sz="quarter" idx="10"/>
+          </p:nvPr>
+        </p:nvSpPr>
+        <p:spPr/>
+        <p:txBody>
+          <a:bodyPr/>
+          <a:lstStyle/>
+          <a:p>
+            <a:fld id="{8E9493AE-D341-496D-8215-8087389C736E}" type="slidenum">
+              <a:rPr lang="zh-CN" altLang="en-US" smtClean="0"/>
+              <a:t>12</a:t>
+            </a:fld>
+            <a:endParaRPr lang="zh-CN" altLang="en-US"/>
+          </a:p>
+        </p:txBody>
+      </p:sp>
+    </p:spTree>
+    <p:extLst>
+      <p:ext uri="{BB962C8B-B14F-4D97-AF65-F5344CB8AC3E}">
+        <p14:creationId xmlns:p14="http://schemas.microsoft.com/office/powerpoint/2010/main" val="1977940948"/>
+      </p:ext>
+    </p:extLst>
+  </p:cSld>
+  <p:clrMapOvr>
+    <a:masterClrMapping/>
+  </p:clrMapOvr>
+</p:notes>
+</file>
+
+<file path=ppt/notesSlides/notesSlide9.xml><?xml version="1.0" encoding="utf-8"?>
+<p:notes xmlns:a="http://schemas.openxmlformats.org/drawingml/2006/main" xmlns:r="http://schemas.openxmlformats.org/officeDocument/2006/relationships" xmlns:p="http://schemas.openxmlformats.org/presentationml/2006/main">
+  <p:cSld>
+    <p:spTree>
+      <p:nvGrpSpPr>
+        <p:cNvPr id="1" name=""/>
+        <p:cNvGrpSpPr/>
+        <p:nvPr/>
+      </p:nvGrpSpPr>
+      <p:grpSpPr>
+        <a:xfrm>
+          <a:off x="0" y="0"/>
+          <a:ext cx="0" cy="0"/>
+          <a:chOff x="0" y="0"/>
+          <a:chExt cx="0" cy="0"/>
+        </a:xfrm>
+      </p:grpSpPr>
+      <p:sp>
+        <p:nvSpPr>
+          <p:cNvPr id="2" name="Slide Image Placeholder 1"/>
+          <p:cNvSpPr>
+            <a:spLocks noGrp="1" noRot="1" noChangeAspect="1"/>
+          </p:cNvSpPr>
+          <p:nvPr>
+            <p:ph type="sldImg"/>
+          </p:nvPr>
+        </p:nvSpPr>
+        <p:spPr/>
+      </p:sp>
+      <p:sp>
+        <p:nvSpPr>
+          <p:cNvPr id="3" name="Notes Placeholder 2"/>
+          <p:cNvSpPr>
+            <a:spLocks noGrp="1"/>
+          </p:cNvSpPr>
+          <p:nvPr>
+            <p:ph type="body" idx="1"/>
+          </p:nvPr>
+        </p:nvSpPr>
+        <p:spPr/>
+        <p:txBody>
+          <a:bodyPr/>
+          <a:lstStyle/>
+          <a:p>
+            <a:pPr marL="228600" indent="-228600">
+              <a:buAutoNum type="arabicPeriod"/>
+            </a:pPr>
+            <a:endParaRPr lang="en-US" altLang="zh-CN" dirty="0" smtClean="0"/>
+          </a:p>
+        </p:txBody>
+      </p:sp>
+      <p:sp>
+        <p:nvSpPr>
+          <p:cNvPr id="4" name="Slide Number Placeholder 3"/>
+          <p:cNvSpPr>
+            <a:spLocks noGrp="1"/>
+          </p:cNvSpPr>
+          <p:nvPr>
+            <p:ph type="sldNum" sz="quarter" idx="10"/>
+          </p:nvPr>
+        </p:nvSpPr>
+        <p:spPr/>
+        <p:txBody>
+          <a:bodyPr/>
+          <a:lstStyle/>
+          <a:p>
+            <a:fld id="{8E9493AE-D341-496D-8215-8087389C736E}" type="slidenum">
+              <a:rPr lang="zh-CN" altLang="en-US" smtClean="0"/>
+              <a:t>13</a:t>
+            </a:fld>
+            <a:endParaRPr lang="zh-CN" altLang="en-US"/>
+          </a:p>
+        </p:txBody>
+      </p:sp>
+    </p:spTree>
+    <p:extLst>
+      <p:ext uri="{BB962C8B-B14F-4D97-AF65-F5344CB8AC3E}">
+        <p14:creationId xmlns:p14="http://schemas.microsoft.com/office/powerpoint/2010/main" val="1977940948"/>
+      </p:ext>
+    </p:extLst>
+  </p:cSld>
+  <p:clrMapOvr>
+    <a:masterClrMapping/>
+  </p:clrMapOvr>
+</p:notes>
+</file>
+
 <file path=ppt/slideLayouts/slideLayout1.xml><?xml version="1.0" encoding="utf-8"?>
 <p:sldLayout xmlns:a="http://schemas.openxmlformats.org/drawingml/2006/main" xmlns:r="http://schemas.openxmlformats.org/officeDocument/2006/relationships" xmlns:p="http://schemas.openxmlformats.org/presentationml/2006/main" preserve="1">
   <p:cSld name="标题幻灯片">
@@ -1033,7 +2088,7 @@
           <a:p>
             <a:fld id="{4DFE29FF-AA6C-46A7-8E40-575B455AEA8E}" type="datetimeFigureOut">
               <a:rPr lang="zh-CN" altLang="en-US" smtClean="0"/>
-              <a:t>2014/5/27</a:t>
+              <a:t>2014/5/28</a:t>
             </a:fld>
             <a:endParaRPr lang="zh-CN" altLang="en-US"/>
           </a:p>
@@ -1441,7 +2496,7 @@
           <a:p>
             <a:fld id="{4DFE29FF-AA6C-46A7-8E40-575B455AEA8E}" type="datetimeFigureOut">
               <a:rPr lang="zh-CN" altLang="en-US" smtClean="0"/>
-              <a:t>2014/5/27</a:t>
+              <a:t>2014/5/28</a:t>
             </a:fld>
             <a:endParaRPr lang="zh-CN" altLang="en-US"/>
           </a:p>
@@ -1611,7 +2666,7 @@
           <a:p>
             <a:fld id="{4DFE29FF-AA6C-46A7-8E40-575B455AEA8E}" type="datetimeFigureOut">
               <a:rPr lang="zh-CN" altLang="en-US" smtClean="0"/>
-              <a:t>2014/5/27</a:t>
+              <a:t>2014/5/28</a:t>
             </a:fld>
             <a:endParaRPr lang="zh-CN" altLang="en-US"/>
           </a:p>
@@ -1791,7 +2846,7 @@
           <a:p>
             <a:fld id="{4DFE29FF-AA6C-46A7-8E40-575B455AEA8E}" type="datetimeFigureOut">
               <a:rPr lang="zh-CN" altLang="en-US" smtClean="0"/>
-              <a:t>2014/5/27</a:t>
+              <a:t>2014/5/28</a:t>
             </a:fld>
             <a:endParaRPr lang="zh-CN" altLang="en-US"/>
           </a:p>
@@ -1927,7 +2982,7 @@
           <a:p>
             <a:fld id="{4DFE29FF-AA6C-46A7-8E40-575B455AEA8E}" type="datetimeFigureOut">
               <a:rPr lang="zh-CN" altLang="en-US" smtClean="0"/>
-              <a:t>2014/5/27</a:t>
+              <a:t>2014/5/28</a:t>
             </a:fld>
             <a:endParaRPr lang="zh-CN" altLang="en-US"/>
           </a:p>
@@ -2264,7 +3319,7 @@
           <a:p>
             <a:fld id="{4DFE29FF-AA6C-46A7-8E40-575B455AEA8E}" type="datetimeFigureOut">
               <a:rPr lang="zh-CN" altLang="en-US" smtClean="0"/>
-              <a:t>2014/5/27</a:t>
+              <a:t>2014/5/28</a:t>
             </a:fld>
             <a:endParaRPr lang="zh-CN" altLang="en-US"/>
           </a:p>
@@ -2699,7 +3754,7 @@
           <a:p>
             <a:fld id="{4DFE29FF-AA6C-46A7-8E40-575B455AEA8E}" type="datetimeFigureOut">
               <a:rPr lang="zh-CN" altLang="en-US" smtClean="0"/>
-              <a:t>2014/5/27</a:t>
+              <a:t>2014/5/28</a:t>
             </a:fld>
             <a:endParaRPr lang="zh-CN" altLang="en-US"/>
           </a:p>
@@ -2987,7 +4042,7 @@
           <a:p>
             <a:fld id="{4DFE29FF-AA6C-46A7-8E40-575B455AEA8E}" type="datetimeFigureOut">
               <a:rPr lang="zh-CN" altLang="en-US" smtClean="0"/>
-              <a:t>2014/5/27</a:t>
+              <a:t>2014/5/28</a:t>
             </a:fld>
             <a:endParaRPr lang="zh-CN" altLang="en-US"/>
           </a:p>
@@ -3409,7 +4464,7 @@
           <a:p>
             <a:fld id="{4DFE29FF-AA6C-46A7-8E40-575B455AEA8E}" type="datetimeFigureOut">
               <a:rPr lang="zh-CN" altLang="en-US" smtClean="0"/>
-              <a:t>2014/5/27</a:t>
+              <a:t>2014/5/28</a:t>
             </a:fld>
             <a:endParaRPr lang="zh-CN" altLang="en-US"/>
           </a:p>
@@ -3527,7 +4582,7 @@
           <a:p>
             <a:fld id="{4DFE29FF-AA6C-46A7-8E40-575B455AEA8E}" type="datetimeFigureOut">
               <a:rPr lang="zh-CN" altLang="en-US" smtClean="0"/>
-              <a:t>2014/5/27</a:t>
+              <a:t>2014/5/28</a:t>
             </a:fld>
             <a:endParaRPr lang="zh-CN" altLang="en-US"/>
           </a:p>
@@ -3622,7 +4677,7 @@
           <a:p>
             <a:fld id="{4DFE29FF-AA6C-46A7-8E40-575B455AEA8E}" type="datetimeFigureOut">
               <a:rPr lang="zh-CN" altLang="en-US" smtClean="0"/>
-              <a:t>2014/5/27</a:t>
+              <a:t>2014/5/28</a:t>
             </a:fld>
             <a:endParaRPr lang="zh-CN" altLang="en-US"/>
           </a:p>
@@ -3899,7 +4954,7 @@
           <a:p>
             <a:fld id="{4DFE29FF-AA6C-46A7-8E40-575B455AEA8E}" type="datetimeFigureOut">
               <a:rPr lang="zh-CN" altLang="en-US" smtClean="0"/>
-              <a:t>2014/5/27</a:t>
+              <a:t>2014/5/28</a:t>
             </a:fld>
             <a:endParaRPr lang="zh-CN" altLang="en-US"/>
           </a:p>
@@ -4112,7 +5167,7 @@
           <a:p>
             <a:fld id="{4DFE29FF-AA6C-46A7-8E40-575B455AEA8E}" type="datetimeFigureOut">
               <a:rPr lang="zh-CN" altLang="en-US" smtClean="0"/>
-              <a:t>2014/5/27</a:t>
+              <a:t>2014/5/28</a:t>
             </a:fld>
             <a:endParaRPr lang="zh-CN" altLang="en-US"/>
           </a:p>
@@ -4600,6 +5655,1477 @@
 </p:sld>
 </file>
 
+<file path=ppt/slides/slide10.xml><?xml version="1.0" encoding="utf-8"?>
+<p:sld xmlns:a="http://schemas.openxmlformats.org/drawingml/2006/main" xmlns:r="http://schemas.openxmlformats.org/officeDocument/2006/relationships" xmlns:p="http://schemas.openxmlformats.org/presentationml/2006/main">
+  <p:cSld>
+    <p:spTree>
+      <p:nvGrpSpPr>
+        <p:cNvPr id="1" name=""/>
+        <p:cNvGrpSpPr/>
+        <p:nvPr/>
+      </p:nvGrpSpPr>
+      <p:grpSpPr>
+        <a:xfrm>
+          <a:off x="0" y="0"/>
+          <a:ext cx="0" cy="0"/>
+          <a:chOff x="0" y="0"/>
+          <a:chExt cx="0" cy="0"/>
+        </a:xfrm>
+      </p:grpSpPr>
+      <p:sp>
+        <p:nvSpPr>
+          <p:cNvPr id="2" name="标题 1"/>
+          <p:cNvSpPr>
+            <a:spLocks noGrp="1"/>
+          </p:cNvSpPr>
+          <p:nvPr>
+            <p:ph type="title"/>
+          </p:nvPr>
+        </p:nvSpPr>
+        <p:spPr/>
+        <p:txBody>
+          <a:bodyPr>
+            <a:normAutofit/>
+          </a:bodyPr>
+          <a:lstStyle/>
+          <a:p>
+            <a:r>
+              <a:rPr lang="zh-CN" altLang="en-US" dirty="0" smtClean="0"/>
+              <a:t>准备工作</a:t>
+            </a:r>
+            <a:r>
+              <a:rPr lang="en-US" altLang="zh-CN" dirty="0" smtClean="0"/>
+              <a:t>(local)</a:t>
+            </a:r>
+            <a:endParaRPr lang="zh-CN" altLang="en-US" dirty="0"/>
+          </a:p>
+        </p:txBody>
+      </p:sp>
+      <p:sp>
+        <p:nvSpPr>
+          <p:cNvPr id="3" name="Content Placeholder 2"/>
+          <p:cNvSpPr>
+            <a:spLocks noGrp="1"/>
+          </p:cNvSpPr>
+          <p:nvPr>
+            <p:ph sz="quarter" idx="13"/>
+          </p:nvPr>
+        </p:nvSpPr>
+        <p:spPr>
+          <a:xfrm>
+            <a:off x="1109134" y="968375"/>
+            <a:ext cx="9971242" cy="5272088"/>
+          </a:xfrm>
+        </p:spPr>
+        <p:txBody>
+          <a:bodyPr/>
+          <a:lstStyle/>
+          <a:p>
+            <a:pPr marL="457200" indent="-457200">
+              <a:buFont typeface="Arial" panose="020B0604020202020204" pitchFamily="34" charset="0"/>
+              <a:buChar char="•"/>
+            </a:pPr>
+            <a:r>
+              <a:rPr lang="zh-CN" altLang="en-US" dirty="0" smtClean="0"/>
+              <a:t>复制文件</a:t>
+            </a:r>
+            <a:endParaRPr lang="en-US" altLang="zh-CN" dirty="0" smtClean="0"/>
+          </a:p>
+          <a:p>
+            <a:pPr marL="742950" lvl="1" indent="-457200">
+              <a:buFont typeface="Arial" panose="020B0604020202020204" pitchFamily="34" charset="0"/>
+              <a:buChar char="•"/>
+            </a:pPr>
+            <a:r>
+              <a:rPr lang="en-US" altLang="zh-CN" dirty="0" smtClean="0"/>
+              <a:t>\\</a:t>
+            </a:r>
+            <a:r>
+              <a:rPr lang="en-US" altLang="zh-CN" dirty="0"/>
+              <a:t>share\MemberShare\dan </a:t>
+            </a:r>
+            <a:r>
+              <a:rPr lang="en-US" altLang="zh-CN" dirty="0" err="1" smtClean="0"/>
+              <a:t>liu</a:t>
+            </a:r>
+            <a:r>
+              <a:rPr lang="en-US" altLang="zh-CN" dirty="0" smtClean="0"/>
+              <a:t>\</a:t>
+            </a:r>
+            <a:r>
+              <a:rPr lang="en-US" altLang="zh-CN" dirty="0" err="1" smtClean="0"/>
+              <a:t>git_related</a:t>
+            </a:r>
+            <a:endParaRPr lang="en-US" altLang="zh-CN" dirty="0"/>
+          </a:p>
+          <a:p>
+            <a:pPr marL="457200" indent="-457200">
+              <a:buFont typeface="Arial" panose="020B0604020202020204" pitchFamily="34" charset="0"/>
+              <a:buChar char="•"/>
+            </a:pPr>
+            <a:r>
+              <a:rPr lang="en-US" altLang="zh-CN" dirty="0" smtClean="0"/>
+              <a:t>commit-id</a:t>
+            </a:r>
+          </a:p>
+          <a:p>
+            <a:pPr marL="742950" lvl="1" indent="-457200">
+              <a:buFont typeface="Arial" panose="020B0604020202020204" pitchFamily="34" charset="0"/>
+              <a:buChar char="•"/>
+            </a:pPr>
+            <a:r>
+              <a:rPr lang="zh-CN" altLang="en-US" dirty="0" smtClean="0"/>
+              <a:t>作用：</a:t>
+            </a:r>
+            <a:r>
+              <a:rPr lang="zh-CN" altLang="en-US" dirty="0" smtClean="0"/>
+              <a:t>在每一次提交之后生成一个</a:t>
+            </a:r>
+            <a:r>
+              <a:rPr lang="en-US" altLang="zh-CN" dirty="0" smtClean="0"/>
+              <a:t>commit-id</a:t>
+            </a:r>
+            <a:r>
+              <a:rPr lang="zh-CN" altLang="en-US" dirty="0" smtClean="0"/>
+              <a:t>添加到</a:t>
+            </a:r>
+            <a:r>
+              <a:rPr lang="en-US" altLang="zh-CN" dirty="0" smtClean="0"/>
+              <a:t>commit message</a:t>
+            </a:r>
+            <a:r>
+              <a:rPr lang="zh-CN" altLang="en-US" dirty="0" smtClean="0"/>
+              <a:t>末尾。</a:t>
+            </a:r>
+            <a:endParaRPr lang="en-US" altLang="zh-CN" dirty="0" smtClean="0"/>
+          </a:p>
+          <a:p>
+            <a:pPr marL="742950" lvl="1" indent="-457200">
+              <a:buFont typeface="Arial" panose="020B0604020202020204" pitchFamily="34" charset="0"/>
+              <a:buChar char="•"/>
+            </a:pPr>
+            <a:r>
+              <a:rPr lang="zh-CN" altLang="en-US" dirty="0" smtClean="0"/>
+              <a:t>将文件复制到 </a:t>
+            </a:r>
+            <a:r>
+              <a:rPr lang="en-US" altLang="zh-CN" dirty="0" smtClean="0"/>
+              <a:t>.</a:t>
+            </a:r>
+            <a:r>
+              <a:rPr lang="en-US" altLang="zh-CN" dirty="0" err="1" smtClean="0"/>
+              <a:t>git</a:t>
+            </a:r>
+            <a:r>
+              <a:rPr lang="en-US" altLang="zh-CN" dirty="0" smtClean="0"/>
+              <a:t>/hooks/ </a:t>
+            </a:r>
+            <a:r>
+              <a:rPr lang="zh-CN" altLang="en-US" dirty="0" smtClean="0"/>
+              <a:t>目录下</a:t>
+            </a:r>
+            <a:endParaRPr lang="en-US" altLang="zh-CN" dirty="0" smtClean="0"/>
+          </a:p>
+          <a:p>
+            <a:pPr marL="457200" indent="-457200">
+              <a:buFont typeface="Arial" panose="020B0604020202020204" pitchFamily="34" charset="0"/>
+              <a:buChar char="•"/>
+            </a:pPr>
+            <a:r>
+              <a:rPr lang="en-US" altLang="zh-CN" dirty="0" smtClean="0"/>
+              <a:t>exclude</a:t>
+            </a:r>
+          </a:p>
+          <a:p>
+            <a:pPr marL="742950" lvl="1" indent="-457200">
+              <a:buFont typeface="Arial" panose="020B0604020202020204" pitchFamily="34" charset="0"/>
+              <a:buChar char="•"/>
+            </a:pPr>
+            <a:r>
+              <a:rPr lang="zh-CN" altLang="en-US" dirty="0" smtClean="0"/>
+              <a:t>罗列在该文件中的所有文件或者文件夹，</a:t>
+            </a:r>
+            <a:r>
+              <a:rPr lang="en-US" altLang="zh-CN" dirty="0" err="1" smtClean="0"/>
+              <a:t>git</a:t>
+            </a:r>
+            <a:r>
+              <a:rPr lang="zh-CN" altLang="en-US" dirty="0" smtClean="0"/>
+              <a:t>将不去管理。</a:t>
+            </a:r>
+            <a:endParaRPr lang="en-US" altLang="zh-CN" dirty="0" smtClean="0"/>
+          </a:p>
+          <a:p>
+            <a:pPr marL="742950" lvl="1" indent="-457200">
+              <a:buFont typeface="Arial" panose="020B0604020202020204" pitchFamily="34" charset="0"/>
+              <a:buChar char="•"/>
+            </a:pPr>
+            <a:r>
+              <a:rPr lang="zh-CN" altLang="en-US" dirty="0" smtClean="0"/>
+              <a:t>将文件复制到 </a:t>
+            </a:r>
+            <a:r>
+              <a:rPr lang="en-US" altLang="zh-CN" dirty="0" smtClean="0"/>
+              <a:t>.</a:t>
+            </a:r>
+            <a:r>
+              <a:rPr lang="en-US" altLang="zh-CN" dirty="0" err="1" smtClean="0"/>
+              <a:t>git</a:t>
+            </a:r>
+            <a:r>
+              <a:rPr lang="en-US" altLang="zh-CN" dirty="0" smtClean="0"/>
+              <a:t>/info/ </a:t>
+            </a:r>
+            <a:r>
+              <a:rPr lang="zh-CN" altLang="en-US" dirty="0" smtClean="0"/>
+              <a:t>目录下，或者直接修改该目录下已有的</a:t>
+            </a:r>
+            <a:r>
+              <a:rPr lang="en-US" altLang="zh-CN" dirty="0" smtClean="0"/>
+              <a:t>exclude</a:t>
+            </a:r>
+            <a:r>
+              <a:rPr lang="zh-CN" altLang="en-US" dirty="0" smtClean="0"/>
+              <a:t>文件</a:t>
+            </a:r>
+            <a:endParaRPr lang="en-US" altLang="zh-CN" dirty="0" smtClean="0"/>
+          </a:p>
+        </p:txBody>
+      </p:sp>
+    </p:spTree>
+    <p:extLst>
+      <p:ext uri="{BB962C8B-B14F-4D97-AF65-F5344CB8AC3E}">
+        <p14:creationId xmlns:p14="http://schemas.microsoft.com/office/powerpoint/2010/main" val="122341073"/>
+      </p:ext>
+    </p:extLst>
+  </p:cSld>
+  <p:clrMapOvr>
+    <a:masterClrMapping/>
+  </p:clrMapOvr>
+  <p:timing>
+    <p:tnLst>
+      <p:par>
+        <p:cTn id="1" dur="indefinite" restart="never" nodeType="tmRoot"/>
+      </p:par>
+    </p:tnLst>
+  </p:timing>
+</p:sld>
+</file>
+
+<file path=ppt/slides/slide11.xml><?xml version="1.0" encoding="utf-8"?>
+<p:sld xmlns:a="http://schemas.openxmlformats.org/drawingml/2006/main" xmlns:r="http://schemas.openxmlformats.org/officeDocument/2006/relationships" xmlns:p="http://schemas.openxmlformats.org/presentationml/2006/main">
+  <p:cSld>
+    <p:spTree>
+      <p:nvGrpSpPr>
+        <p:cNvPr id="1" name=""/>
+        <p:cNvGrpSpPr/>
+        <p:nvPr/>
+      </p:nvGrpSpPr>
+      <p:grpSpPr>
+        <a:xfrm>
+          <a:off x="0" y="0"/>
+          <a:ext cx="0" cy="0"/>
+          <a:chOff x="0" y="0"/>
+          <a:chExt cx="0" cy="0"/>
+        </a:xfrm>
+      </p:grpSpPr>
+      <p:sp>
+        <p:nvSpPr>
+          <p:cNvPr id="2" name="标题 1"/>
+          <p:cNvSpPr>
+            <a:spLocks noGrp="1"/>
+          </p:cNvSpPr>
+          <p:nvPr>
+            <p:ph type="title"/>
+          </p:nvPr>
+        </p:nvSpPr>
+        <p:spPr/>
+        <p:txBody>
+          <a:bodyPr>
+            <a:normAutofit/>
+          </a:bodyPr>
+          <a:lstStyle/>
+          <a:p>
+            <a:r>
+              <a:rPr lang="zh-CN" altLang="en-US" dirty="0" smtClean="0"/>
+              <a:t>切换到开发分支</a:t>
+            </a:r>
+            <a:endParaRPr lang="zh-CN" altLang="en-US" dirty="0"/>
+          </a:p>
+        </p:txBody>
+      </p:sp>
+      <p:sp>
+        <p:nvSpPr>
+          <p:cNvPr id="3" name="Content Placeholder 2"/>
+          <p:cNvSpPr>
+            <a:spLocks noGrp="1"/>
+          </p:cNvSpPr>
+          <p:nvPr>
+            <p:ph sz="quarter" idx="13"/>
+          </p:nvPr>
+        </p:nvSpPr>
+        <p:spPr>
+          <a:xfrm>
+            <a:off x="1109134" y="968375"/>
+            <a:ext cx="9971242" cy="5272088"/>
+          </a:xfrm>
+        </p:spPr>
+        <p:txBody>
+          <a:bodyPr/>
+          <a:lstStyle/>
+          <a:p>
+            <a:pPr marL="457200" indent="-457200">
+              <a:buFont typeface="Arial" panose="020B0604020202020204" pitchFamily="34" charset="0"/>
+              <a:buChar char="•"/>
+            </a:pPr>
+            <a:r>
+              <a:rPr lang="zh-CN" altLang="en-US" dirty="0" smtClean="0"/>
+              <a:t>获取当前项目的所有分支信息</a:t>
+            </a:r>
+            <a:endParaRPr lang="en-US" altLang="zh-CN" dirty="0" smtClean="0"/>
+          </a:p>
+          <a:p>
+            <a:pPr marL="742950" lvl="1" indent="-457200">
+              <a:buFont typeface="Arial" panose="020B0604020202020204" pitchFamily="34" charset="0"/>
+              <a:buChar char="•"/>
+            </a:pPr>
+            <a:r>
+              <a:rPr lang="zh-CN" altLang="en-US" dirty="0" smtClean="0"/>
+              <a:t>本地分支</a:t>
+            </a:r>
+            <a:endParaRPr lang="en-US" altLang="zh-CN" dirty="0" smtClean="0"/>
+          </a:p>
+          <a:p>
+            <a:pPr marL="987425" lvl="2" indent="-457200">
+              <a:buFont typeface="Arial" panose="020B0604020202020204" pitchFamily="34" charset="0"/>
+              <a:buChar char="•"/>
+            </a:pPr>
+            <a:r>
+              <a:rPr lang="en-US" altLang="zh-CN" dirty="0" err="1" smtClean="0"/>
+              <a:t>git</a:t>
+            </a:r>
+            <a:r>
+              <a:rPr lang="en-US" altLang="zh-CN" dirty="0" smtClean="0"/>
+              <a:t> branch</a:t>
+            </a:r>
+          </a:p>
+          <a:p>
+            <a:pPr marL="742950" lvl="1" indent="-457200">
+              <a:buFont typeface="Arial" panose="020B0604020202020204" pitchFamily="34" charset="0"/>
+              <a:buChar char="•"/>
+            </a:pPr>
+            <a:r>
+              <a:rPr lang="zh-CN" altLang="en-US" dirty="0" smtClean="0"/>
+              <a:t>所有分支（本地分支 </a:t>
+            </a:r>
+            <a:r>
+              <a:rPr lang="en-US" altLang="zh-CN" dirty="0" smtClean="0"/>
+              <a:t>+ </a:t>
+            </a:r>
+            <a:r>
+              <a:rPr lang="zh-CN" altLang="en-US" dirty="0" smtClean="0"/>
+              <a:t>远程分支）</a:t>
+            </a:r>
+            <a:endParaRPr lang="en-US" altLang="zh-CN" dirty="0" smtClean="0"/>
+          </a:p>
+          <a:p>
+            <a:pPr marL="987425" lvl="2" indent="-457200">
+              <a:buFont typeface="Arial" panose="020B0604020202020204" pitchFamily="34" charset="0"/>
+              <a:buChar char="•"/>
+            </a:pPr>
+            <a:r>
+              <a:rPr lang="en-US" altLang="zh-CN" dirty="0" err="1" smtClean="0"/>
+              <a:t>git</a:t>
+            </a:r>
+            <a:r>
+              <a:rPr lang="en-US" altLang="zh-CN" dirty="0" smtClean="0"/>
+              <a:t> branch -a</a:t>
+            </a:r>
+          </a:p>
+          <a:p>
+            <a:pPr marL="457200" indent="-457200">
+              <a:buFont typeface="Arial" panose="020B0604020202020204" pitchFamily="34" charset="0"/>
+              <a:buChar char="•"/>
+            </a:pPr>
+            <a:r>
+              <a:rPr lang="zh-CN" altLang="en-US" dirty="0" smtClean="0"/>
+              <a:t>切换分支</a:t>
+            </a:r>
+            <a:endParaRPr lang="en-US" altLang="zh-CN" dirty="0" smtClean="0"/>
+          </a:p>
+          <a:p>
+            <a:pPr marL="742950" lvl="1" indent="-457200">
+              <a:buFont typeface="Arial" panose="020B0604020202020204" pitchFamily="34" charset="0"/>
+              <a:buChar char="•"/>
+            </a:pPr>
+            <a:r>
+              <a:rPr lang="en-US" altLang="zh-CN" dirty="0" err="1" smtClean="0"/>
+              <a:t>git</a:t>
+            </a:r>
+            <a:r>
+              <a:rPr lang="en-US" altLang="zh-CN" dirty="0" smtClean="0"/>
+              <a:t> checkout &lt;</a:t>
+            </a:r>
+            <a:r>
+              <a:rPr lang="en-US" altLang="zh-CN" dirty="0" err="1" smtClean="0"/>
+              <a:t>branch_name</a:t>
+            </a:r>
+            <a:r>
+              <a:rPr lang="en-US" altLang="zh-CN" dirty="0" smtClean="0"/>
+              <a:t>&gt;</a:t>
+            </a:r>
+          </a:p>
+          <a:p>
+            <a:pPr marL="457200" indent="-457200">
+              <a:buFont typeface="Arial" panose="020B0604020202020204" pitchFamily="34" charset="0"/>
+              <a:buChar char="•"/>
+            </a:pPr>
+            <a:r>
+              <a:rPr lang="zh-CN" altLang="en-US" dirty="0" smtClean="0"/>
+              <a:t>在当前节点新建分支</a:t>
+            </a:r>
+            <a:endParaRPr lang="en-US" altLang="zh-CN" dirty="0" smtClean="0"/>
+          </a:p>
+          <a:p>
+            <a:pPr marL="742950" lvl="1" indent="-457200">
+              <a:buFont typeface="Arial" panose="020B0604020202020204" pitchFamily="34" charset="0"/>
+              <a:buChar char="•"/>
+            </a:pPr>
+            <a:r>
+              <a:rPr lang="en-US" altLang="zh-CN" dirty="0" err="1" smtClean="0"/>
+              <a:t>git</a:t>
+            </a:r>
+            <a:r>
+              <a:rPr lang="en-US" altLang="zh-CN" dirty="0" smtClean="0"/>
+              <a:t> checkout -b &lt;YOUR BRANCH NAME&gt;</a:t>
+            </a:r>
+          </a:p>
+        </p:txBody>
+      </p:sp>
+    </p:spTree>
+    <p:extLst>
+      <p:ext uri="{BB962C8B-B14F-4D97-AF65-F5344CB8AC3E}">
+        <p14:creationId xmlns:p14="http://schemas.microsoft.com/office/powerpoint/2010/main" val="2267127386"/>
+      </p:ext>
+    </p:extLst>
+  </p:cSld>
+  <p:clrMapOvr>
+    <a:masterClrMapping/>
+  </p:clrMapOvr>
+  <p:timing>
+    <p:tnLst>
+      <p:par>
+        <p:cTn id="1" dur="indefinite" restart="never" nodeType="tmRoot"/>
+      </p:par>
+    </p:tnLst>
+  </p:timing>
+</p:sld>
+</file>
+
+<file path=ppt/slides/slide12.xml><?xml version="1.0" encoding="utf-8"?>
+<p:sld xmlns:a="http://schemas.openxmlformats.org/drawingml/2006/main" xmlns:r="http://schemas.openxmlformats.org/officeDocument/2006/relationships" xmlns:p="http://schemas.openxmlformats.org/presentationml/2006/main">
+  <p:cSld>
+    <p:spTree>
+      <p:nvGrpSpPr>
+        <p:cNvPr id="1" name=""/>
+        <p:cNvGrpSpPr/>
+        <p:nvPr/>
+      </p:nvGrpSpPr>
+      <p:grpSpPr>
+        <a:xfrm>
+          <a:off x="0" y="0"/>
+          <a:ext cx="0" cy="0"/>
+          <a:chOff x="0" y="0"/>
+          <a:chExt cx="0" cy="0"/>
+        </a:xfrm>
+      </p:grpSpPr>
+      <p:sp>
+        <p:nvSpPr>
+          <p:cNvPr id="2" name="标题 1"/>
+          <p:cNvSpPr>
+            <a:spLocks noGrp="1"/>
+          </p:cNvSpPr>
+          <p:nvPr>
+            <p:ph type="title"/>
+          </p:nvPr>
+        </p:nvSpPr>
+        <p:spPr/>
+        <p:txBody>
+          <a:bodyPr>
+            <a:normAutofit/>
+          </a:bodyPr>
+          <a:lstStyle/>
+          <a:p>
+            <a:r>
+              <a:rPr lang="zh-CN" altLang="en-US" dirty="0" smtClean="0"/>
+              <a:t>项目开发过程中的常用命令</a:t>
+            </a:r>
+            <a:endParaRPr lang="zh-CN" altLang="en-US" dirty="0"/>
+          </a:p>
+        </p:txBody>
+      </p:sp>
+      <p:sp>
+        <p:nvSpPr>
+          <p:cNvPr id="3" name="Content Placeholder 2"/>
+          <p:cNvSpPr>
+            <a:spLocks noGrp="1"/>
+          </p:cNvSpPr>
+          <p:nvPr>
+            <p:ph sz="quarter" idx="13"/>
+          </p:nvPr>
+        </p:nvSpPr>
+        <p:spPr>
+          <a:xfrm>
+            <a:off x="1109134" y="968375"/>
+            <a:ext cx="9971242" cy="5272088"/>
+          </a:xfrm>
+        </p:spPr>
+        <p:txBody>
+          <a:bodyPr/>
+          <a:lstStyle/>
+          <a:p>
+            <a:pPr marL="457200" indent="-457200">
+              <a:buFont typeface="Arial" panose="020B0604020202020204" pitchFamily="34" charset="0"/>
+              <a:buChar char="•"/>
+            </a:pPr>
+            <a:r>
+              <a:rPr lang="en-US" altLang="zh-CN" dirty="0" err="1" smtClean="0"/>
+              <a:t>git</a:t>
+            </a:r>
+            <a:r>
+              <a:rPr lang="en-US" altLang="zh-CN" dirty="0" smtClean="0"/>
+              <a:t> status</a:t>
+            </a:r>
+          </a:p>
+          <a:p>
+            <a:pPr marL="742950" lvl="1" indent="-457200">
+              <a:buFont typeface="Arial" panose="020B0604020202020204" pitchFamily="34" charset="0"/>
+              <a:buChar char="•"/>
+            </a:pPr>
+            <a:r>
+              <a:rPr lang="zh-CN" altLang="en-US" dirty="0" smtClean="0"/>
+              <a:t>查看当前项目的状态</a:t>
+            </a:r>
+            <a:endParaRPr lang="en-US" altLang="zh-CN" dirty="0" smtClean="0"/>
+          </a:p>
+          <a:p>
+            <a:pPr marL="457200" indent="-457200">
+              <a:buFont typeface="Arial" panose="020B0604020202020204" pitchFamily="34" charset="0"/>
+              <a:buChar char="•"/>
+            </a:pPr>
+            <a:r>
+              <a:rPr lang="en-US" altLang="zh-CN" dirty="0" err="1" smtClean="0"/>
+              <a:t>git</a:t>
+            </a:r>
+            <a:r>
+              <a:rPr lang="en-US" altLang="zh-CN" dirty="0" smtClean="0"/>
+              <a:t> checkout -- .</a:t>
+            </a:r>
+          </a:p>
+          <a:p>
+            <a:pPr marL="742950" lvl="1" indent="-457200">
+              <a:buFont typeface="Arial" panose="020B0604020202020204" pitchFamily="34" charset="0"/>
+              <a:buChar char="•"/>
+            </a:pPr>
+            <a:r>
+              <a:rPr lang="zh-CN" altLang="en-US" dirty="0" smtClean="0"/>
+              <a:t>取消所有的本地修改</a:t>
+            </a:r>
+            <a:endParaRPr lang="en-US" altLang="zh-CN" dirty="0" smtClean="0"/>
+          </a:p>
+          <a:p>
+            <a:pPr marL="457200" indent="-457200">
+              <a:buFont typeface="Arial" panose="020B0604020202020204" pitchFamily="34" charset="0"/>
+              <a:buChar char="•"/>
+            </a:pPr>
+            <a:r>
+              <a:rPr lang="en-US" altLang="zh-CN" dirty="0" err="1" smtClean="0"/>
+              <a:t>git</a:t>
+            </a:r>
+            <a:r>
+              <a:rPr lang="en-US" altLang="zh-CN" dirty="0" smtClean="0"/>
+              <a:t> checkout &lt;file&gt;</a:t>
+            </a:r>
+          </a:p>
+          <a:p>
+            <a:pPr marL="742950" lvl="1" indent="-457200">
+              <a:buFont typeface="Arial" panose="020B0604020202020204" pitchFamily="34" charset="0"/>
+              <a:buChar char="•"/>
+            </a:pPr>
+            <a:r>
+              <a:rPr lang="zh-CN" altLang="en-US" dirty="0" smtClean="0"/>
+              <a:t>取消单个文件</a:t>
+            </a:r>
+            <a:r>
+              <a:rPr lang="en-US" altLang="zh-CN" dirty="0" smtClean="0"/>
+              <a:t>(</a:t>
+            </a:r>
+            <a:r>
+              <a:rPr lang="zh-CN" altLang="en-US" dirty="0" smtClean="0"/>
+              <a:t>文件夹</a:t>
+            </a:r>
+            <a:r>
+              <a:rPr lang="en-US" altLang="zh-CN" dirty="0" smtClean="0"/>
+              <a:t>)</a:t>
+            </a:r>
+            <a:r>
+              <a:rPr lang="zh-CN" altLang="en-US" dirty="0" smtClean="0"/>
+              <a:t>的修改</a:t>
+            </a:r>
+            <a:endParaRPr lang="en-US" altLang="zh-CN" dirty="0" smtClean="0"/>
+          </a:p>
+          <a:p>
+            <a:pPr lvl="1" indent="0">
+              <a:buNone/>
+            </a:pPr>
+            <a:endParaRPr lang="en-US" altLang="zh-CN" dirty="0" smtClean="0"/>
+          </a:p>
+        </p:txBody>
+      </p:sp>
+    </p:spTree>
+    <p:extLst>
+      <p:ext uri="{BB962C8B-B14F-4D97-AF65-F5344CB8AC3E}">
+        <p14:creationId xmlns:p14="http://schemas.microsoft.com/office/powerpoint/2010/main" val="3073210950"/>
+      </p:ext>
+    </p:extLst>
+  </p:cSld>
+  <p:clrMapOvr>
+    <a:masterClrMapping/>
+  </p:clrMapOvr>
+  <p:timing>
+    <p:tnLst>
+      <p:par>
+        <p:cTn id="1" dur="indefinite" restart="never" nodeType="tmRoot"/>
+      </p:par>
+    </p:tnLst>
+  </p:timing>
+</p:sld>
+</file>
+
+<file path=ppt/slides/slide13.xml><?xml version="1.0" encoding="utf-8"?>
+<p:sld xmlns:a="http://schemas.openxmlformats.org/drawingml/2006/main" xmlns:r="http://schemas.openxmlformats.org/officeDocument/2006/relationships" xmlns:p="http://schemas.openxmlformats.org/presentationml/2006/main">
+  <p:cSld>
+    <p:spTree>
+      <p:nvGrpSpPr>
+        <p:cNvPr id="1" name=""/>
+        <p:cNvGrpSpPr/>
+        <p:nvPr/>
+      </p:nvGrpSpPr>
+      <p:grpSpPr>
+        <a:xfrm>
+          <a:off x="0" y="0"/>
+          <a:ext cx="0" cy="0"/>
+          <a:chOff x="0" y="0"/>
+          <a:chExt cx="0" cy="0"/>
+        </a:xfrm>
+      </p:grpSpPr>
+      <p:sp>
+        <p:nvSpPr>
+          <p:cNvPr id="2" name="标题 1"/>
+          <p:cNvSpPr>
+            <a:spLocks noGrp="1"/>
+          </p:cNvSpPr>
+          <p:nvPr>
+            <p:ph type="title"/>
+          </p:nvPr>
+        </p:nvSpPr>
+        <p:spPr/>
+        <p:txBody>
+          <a:bodyPr>
+            <a:normAutofit/>
+          </a:bodyPr>
+          <a:lstStyle/>
+          <a:p>
+            <a:r>
+              <a:rPr lang="zh-CN" altLang="en-US" dirty="0" smtClean="0"/>
+              <a:t>本地提交</a:t>
+            </a:r>
+            <a:endParaRPr lang="zh-CN" altLang="en-US" dirty="0"/>
+          </a:p>
+        </p:txBody>
+      </p:sp>
+      <p:sp>
+        <p:nvSpPr>
+          <p:cNvPr id="3" name="Content Placeholder 2"/>
+          <p:cNvSpPr>
+            <a:spLocks noGrp="1"/>
+          </p:cNvSpPr>
+          <p:nvPr>
+            <p:ph sz="quarter" idx="13"/>
+          </p:nvPr>
+        </p:nvSpPr>
+        <p:spPr>
+          <a:xfrm>
+            <a:off x="1109134" y="968375"/>
+            <a:ext cx="6195308" cy="5272088"/>
+          </a:xfrm>
+        </p:spPr>
+        <p:txBody>
+          <a:bodyPr>
+            <a:normAutofit fontScale="92500" lnSpcReduction="10000"/>
+          </a:bodyPr>
+          <a:lstStyle/>
+          <a:p>
+            <a:pPr marL="457200" indent="-457200">
+              <a:buFont typeface="Arial" panose="020B0604020202020204" pitchFamily="34" charset="0"/>
+              <a:buChar char="•"/>
+            </a:pPr>
+            <a:r>
+              <a:rPr lang="zh-CN" altLang="en-US" dirty="0" smtClean="0"/>
+              <a:t>添加文件到暂存区域</a:t>
+            </a:r>
+            <a:endParaRPr lang="en-US" altLang="zh-CN" dirty="0" smtClean="0"/>
+          </a:p>
+          <a:p>
+            <a:pPr marL="742950" lvl="1" indent="-457200">
+              <a:buFont typeface="Arial" panose="020B0604020202020204" pitchFamily="34" charset="0"/>
+              <a:buChar char="•"/>
+            </a:pPr>
+            <a:r>
+              <a:rPr lang="en-US" altLang="zh-CN" dirty="0" err="1" smtClean="0"/>
+              <a:t>git</a:t>
+            </a:r>
+            <a:r>
+              <a:rPr lang="en-US" altLang="zh-CN" dirty="0" smtClean="0"/>
+              <a:t> add -A (</a:t>
+            </a:r>
+            <a:r>
+              <a:rPr lang="zh-CN" altLang="en-US" dirty="0" smtClean="0"/>
+              <a:t>所有文件</a:t>
+            </a:r>
+            <a:r>
+              <a:rPr lang="en-US" altLang="zh-CN" dirty="0" smtClean="0"/>
+              <a:t>)</a:t>
+            </a:r>
+          </a:p>
+          <a:p>
+            <a:pPr marL="742950" lvl="1" indent="-457200">
+              <a:buFont typeface="Arial" panose="020B0604020202020204" pitchFamily="34" charset="0"/>
+              <a:buChar char="•"/>
+            </a:pPr>
+            <a:r>
+              <a:rPr lang="en-US" altLang="zh-CN" dirty="0" err="1" smtClean="0"/>
+              <a:t>git</a:t>
+            </a:r>
+            <a:r>
+              <a:rPr lang="en-US" altLang="zh-CN" dirty="0" smtClean="0"/>
+              <a:t> add &lt;file name&gt;(</a:t>
+            </a:r>
+            <a:r>
+              <a:rPr lang="zh-CN" altLang="en-US" dirty="0" smtClean="0"/>
+              <a:t>指定文件</a:t>
+            </a:r>
+            <a:r>
+              <a:rPr lang="en-US" altLang="zh-CN" dirty="0" smtClean="0"/>
+              <a:t>)</a:t>
+            </a:r>
+          </a:p>
+          <a:p>
+            <a:pPr marL="457200" indent="-457200">
+              <a:buFont typeface="Arial" panose="020B0604020202020204" pitchFamily="34" charset="0"/>
+              <a:buChar char="•"/>
+            </a:pPr>
+            <a:r>
+              <a:rPr lang="zh-CN" altLang="en-US" dirty="0" smtClean="0"/>
+              <a:t>将文件从暂存区域中移除</a:t>
+            </a:r>
+            <a:endParaRPr lang="en-US" altLang="zh-CN" dirty="0" smtClean="0"/>
+          </a:p>
+          <a:p>
+            <a:pPr marL="742950" lvl="1" indent="-457200">
+              <a:buFont typeface="Arial" panose="020B0604020202020204" pitchFamily="34" charset="0"/>
+              <a:buChar char="•"/>
+            </a:pPr>
+            <a:r>
+              <a:rPr lang="en-US" altLang="zh-CN" dirty="0" err="1" smtClean="0"/>
+              <a:t>git</a:t>
+            </a:r>
+            <a:r>
+              <a:rPr lang="en-US" altLang="zh-CN" dirty="0" smtClean="0"/>
+              <a:t> reset HEAD &lt;file name&gt;</a:t>
+            </a:r>
+          </a:p>
+          <a:p>
+            <a:pPr marL="457200" indent="-457200">
+              <a:buFont typeface="Arial" panose="020B0604020202020204" pitchFamily="34" charset="0"/>
+              <a:buChar char="•"/>
+            </a:pPr>
+            <a:r>
+              <a:rPr lang="zh-CN" altLang="en-US" dirty="0" smtClean="0"/>
+              <a:t>提交到本地仓库</a:t>
+            </a:r>
+            <a:endParaRPr lang="en-US" altLang="zh-CN" dirty="0" smtClean="0"/>
+          </a:p>
+          <a:p>
+            <a:pPr marL="742950" lvl="1" indent="-457200">
+              <a:buFont typeface="Arial" panose="020B0604020202020204" pitchFamily="34" charset="0"/>
+              <a:buChar char="•"/>
+            </a:pPr>
+            <a:r>
+              <a:rPr lang="en-US" altLang="zh-CN" dirty="0" err="1" smtClean="0"/>
+              <a:t>git</a:t>
+            </a:r>
+            <a:r>
+              <a:rPr lang="en-US" altLang="zh-CN" dirty="0" smtClean="0"/>
+              <a:t> commit -m “&lt;commit message.&gt;”</a:t>
+            </a:r>
+          </a:p>
+          <a:p>
+            <a:pPr marL="742950" lvl="1" indent="-457200">
+              <a:buFont typeface="Arial" panose="020B0604020202020204" pitchFamily="34" charset="0"/>
+              <a:buChar char="•"/>
+            </a:pPr>
+            <a:r>
+              <a:rPr lang="zh-CN" altLang="en-US" dirty="0" smtClean="0"/>
+              <a:t>或者 </a:t>
+            </a:r>
+            <a:r>
+              <a:rPr lang="en-US" altLang="zh-CN" dirty="0" err="1" smtClean="0"/>
+              <a:t>git</a:t>
+            </a:r>
+            <a:r>
+              <a:rPr lang="en-US" altLang="zh-CN" dirty="0" smtClean="0"/>
+              <a:t> commit ,</a:t>
+            </a:r>
+            <a:r>
+              <a:rPr lang="zh-CN" altLang="en-US" dirty="0" smtClean="0"/>
+              <a:t>在之后的输入界面中输入内容。</a:t>
+            </a:r>
+            <a:endParaRPr lang="en-US" altLang="zh-CN" dirty="0" smtClean="0"/>
+          </a:p>
+          <a:p>
+            <a:pPr marL="457200" indent="-457200">
+              <a:buFont typeface="Arial" panose="020B0604020202020204" pitchFamily="34" charset="0"/>
+              <a:buChar char="•"/>
+            </a:pPr>
+            <a:r>
+              <a:rPr lang="zh-CN" altLang="en-US" dirty="0" smtClean="0"/>
+              <a:t>更方便的用法</a:t>
+            </a:r>
+            <a:endParaRPr lang="en-US" altLang="zh-CN" dirty="0" smtClean="0"/>
+          </a:p>
+          <a:p>
+            <a:pPr marL="742950" lvl="1" indent="-457200">
+              <a:buFont typeface="Arial" panose="020B0604020202020204" pitchFamily="34" charset="0"/>
+              <a:buChar char="•"/>
+            </a:pPr>
+            <a:r>
+              <a:rPr lang="en-US" altLang="zh-CN" dirty="0" err="1" smtClean="0"/>
+              <a:t>git</a:t>
+            </a:r>
+            <a:r>
+              <a:rPr lang="en-US" altLang="zh-CN" dirty="0" smtClean="0"/>
+              <a:t> commit -a -m “&lt;commit message.&gt;”</a:t>
+            </a:r>
+          </a:p>
+          <a:p>
+            <a:pPr marL="742950" lvl="1" indent="-457200">
+              <a:buFont typeface="Arial" panose="020B0604020202020204" pitchFamily="34" charset="0"/>
+              <a:buChar char="•"/>
+            </a:pPr>
+            <a:r>
+              <a:rPr lang="zh-CN" altLang="en-US" dirty="0" smtClean="0"/>
+              <a:t>在只有文件被修改的情况下可以使用上述命令。</a:t>
+            </a:r>
+            <a:endParaRPr lang="en-US" altLang="zh-CN" dirty="0" smtClean="0"/>
+          </a:p>
+          <a:p>
+            <a:pPr marL="742950" lvl="1" indent="-457200">
+              <a:buFont typeface="Arial" panose="020B0604020202020204" pitchFamily="34" charset="0"/>
+              <a:buChar char="•"/>
+            </a:pPr>
+            <a:endParaRPr lang="en-US" altLang="zh-CN" dirty="0" smtClean="0"/>
+          </a:p>
+        </p:txBody>
+      </p:sp>
+      <p:pic>
+        <p:nvPicPr>
+          <p:cNvPr id="6" name="Picture 5"/>
+          <p:cNvPicPr>
+            <a:picLocks noChangeAspect="1"/>
+          </p:cNvPicPr>
+          <p:nvPr/>
+        </p:nvPicPr>
+        <p:blipFill>
+          <a:blip r:embed="rId3">
+            <a:extLst>
+              <a:ext uri="{28A0092B-C50C-407E-A947-70E740481C1C}">
+                <a14:useLocalDpi xmlns:a14="http://schemas.microsoft.com/office/drawing/2010/main" val="0"/>
+              </a:ext>
+            </a:extLst>
+          </a:blip>
+          <a:stretch>
+            <a:fillRect/>
+          </a:stretch>
+        </p:blipFill>
+        <p:spPr>
+          <a:xfrm>
+            <a:off x="7038863" y="1066127"/>
+            <a:ext cx="4762500" cy="4381500"/>
+          </a:xfrm>
+          <a:prstGeom prst="rect">
+            <a:avLst/>
+          </a:prstGeom>
+        </p:spPr>
+      </p:pic>
+    </p:spTree>
+    <p:extLst>
+      <p:ext uri="{BB962C8B-B14F-4D97-AF65-F5344CB8AC3E}">
+        <p14:creationId xmlns:p14="http://schemas.microsoft.com/office/powerpoint/2010/main" val="2664322328"/>
+      </p:ext>
+    </p:extLst>
+  </p:cSld>
+  <p:clrMapOvr>
+    <a:masterClrMapping/>
+  </p:clrMapOvr>
+  <p:timing>
+    <p:tnLst>
+      <p:par>
+        <p:cTn id="1" dur="indefinite" restart="never" nodeType="tmRoot"/>
+      </p:par>
+    </p:tnLst>
+  </p:timing>
+</p:sld>
+</file>
+
+<file path=ppt/slides/slide14.xml><?xml version="1.0" encoding="utf-8"?>
+<p:sld xmlns:a="http://schemas.openxmlformats.org/drawingml/2006/main" xmlns:r="http://schemas.openxmlformats.org/officeDocument/2006/relationships" xmlns:p="http://schemas.openxmlformats.org/presentationml/2006/main">
+  <p:cSld>
+    <p:spTree>
+      <p:nvGrpSpPr>
+        <p:cNvPr id="1" name=""/>
+        <p:cNvGrpSpPr/>
+        <p:nvPr/>
+      </p:nvGrpSpPr>
+      <p:grpSpPr>
+        <a:xfrm>
+          <a:off x="0" y="0"/>
+          <a:ext cx="0" cy="0"/>
+          <a:chOff x="0" y="0"/>
+          <a:chExt cx="0" cy="0"/>
+        </a:xfrm>
+      </p:grpSpPr>
+      <p:sp>
+        <p:nvSpPr>
+          <p:cNvPr id="2" name="标题 1"/>
+          <p:cNvSpPr>
+            <a:spLocks noGrp="1"/>
+          </p:cNvSpPr>
+          <p:nvPr>
+            <p:ph type="title"/>
+          </p:nvPr>
+        </p:nvSpPr>
+        <p:spPr/>
+        <p:txBody>
+          <a:bodyPr>
+            <a:normAutofit/>
+          </a:bodyPr>
+          <a:lstStyle/>
+          <a:p>
+            <a:r>
+              <a:rPr lang="zh-CN" altLang="en-US" dirty="0" smtClean="0"/>
+              <a:t>更新本地仓库</a:t>
+            </a:r>
+            <a:endParaRPr lang="zh-CN" altLang="en-US" dirty="0"/>
+          </a:p>
+        </p:txBody>
+      </p:sp>
+      <p:sp>
+        <p:nvSpPr>
+          <p:cNvPr id="3" name="Content Placeholder 2"/>
+          <p:cNvSpPr>
+            <a:spLocks noGrp="1"/>
+          </p:cNvSpPr>
+          <p:nvPr>
+            <p:ph sz="quarter" idx="13"/>
+          </p:nvPr>
+        </p:nvSpPr>
+        <p:spPr>
+          <a:xfrm>
+            <a:off x="1109134" y="968375"/>
+            <a:ext cx="9971242" cy="5272088"/>
+          </a:xfrm>
+        </p:spPr>
+        <p:txBody>
+          <a:bodyPr/>
+          <a:lstStyle/>
+          <a:p>
+            <a:pPr marL="457200" indent="-457200">
+              <a:buFont typeface="Arial" panose="020B0604020202020204" pitchFamily="34" charset="0"/>
+              <a:buChar char="•"/>
+            </a:pPr>
+            <a:r>
+              <a:rPr lang="zh-CN" altLang="en-US" dirty="0" smtClean="0"/>
+              <a:t>作用</a:t>
+            </a:r>
+            <a:endParaRPr lang="en-US" altLang="zh-CN" dirty="0"/>
+          </a:p>
+          <a:p>
+            <a:pPr marL="742950" lvl="1" indent="-457200">
+              <a:buFont typeface="Arial" panose="020B0604020202020204" pitchFamily="34" charset="0"/>
+              <a:buChar char="•"/>
+            </a:pPr>
+            <a:r>
+              <a:rPr lang="zh-CN" altLang="en-US" dirty="0" smtClean="0"/>
+              <a:t>在提交到远程仓库前同步远程仓库的代码，在本地解决可能的冲突</a:t>
+            </a:r>
+            <a:endParaRPr lang="en-US" altLang="zh-CN" dirty="0" smtClean="0"/>
+          </a:p>
+          <a:p>
+            <a:pPr marL="457200" indent="-457200">
+              <a:buFont typeface="Arial" panose="020B0604020202020204" pitchFamily="34" charset="0"/>
+              <a:buChar char="•"/>
+            </a:pPr>
+            <a:r>
+              <a:rPr lang="zh-CN" altLang="en-US" dirty="0" smtClean="0"/>
+              <a:t>命令</a:t>
+            </a:r>
+            <a:endParaRPr lang="en-US" altLang="zh-CN" dirty="0" smtClean="0"/>
+          </a:p>
+          <a:p>
+            <a:pPr marL="742950" lvl="1" indent="-457200">
+              <a:buFont typeface="Arial" panose="020B0604020202020204" pitchFamily="34" charset="0"/>
+              <a:buChar char="•"/>
+            </a:pPr>
+            <a:r>
+              <a:rPr lang="en-US" altLang="zh-CN" dirty="0" err="1" smtClean="0"/>
+              <a:t>git</a:t>
+            </a:r>
+            <a:r>
+              <a:rPr lang="en-US" altLang="zh-CN" dirty="0" smtClean="0"/>
+              <a:t> pull --rebase</a:t>
+            </a:r>
+          </a:p>
+        </p:txBody>
+      </p:sp>
+    </p:spTree>
+    <p:extLst>
+      <p:ext uri="{BB962C8B-B14F-4D97-AF65-F5344CB8AC3E}">
+        <p14:creationId xmlns:p14="http://schemas.microsoft.com/office/powerpoint/2010/main" val="3493928154"/>
+      </p:ext>
+    </p:extLst>
+  </p:cSld>
+  <p:clrMapOvr>
+    <a:masterClrMapping/>
+  </p:clrMapOvr>
+  <p:timing>
+    <p:tnLst>
+      <p:par>
+        <p:cTn id="1" dur="indefinite" restart="never" nodeType="tmRoot"/>
+      </p:par>
+    </p:tnLst>
+  </p:timing>
+</p:sld>
+</file>
+
+<file path=ppt/slides/slide15.xml><?xml version="1.0" encoding="utf-8"?>
+<p:sld xmlns:a="http://schemas.openxmlformats.org/drawingml/2006/main" xmlns:r="http://schemas.openxmlformats.org/officeDocument/2006/relationships" xmlns:p="http://schemas.openxmlformats.org/presentationml/2006/main">
+  <p:cSld>
+    <p:spTree>
+      <p:nvGrpSpPr>
+        <p:cNvPr id="1" name=""/>
+        <p:cNvGrpSpPr/>
+        <p:nvPr/>
+      </p:nvGrpSpPr>
+      <p:grpSpPr>
+        <a:xfrm>
+          <a:off x="0" y="0"/>
+          <a:ext cx="0" cy="0"/>
+          <a:chOff x="0" y="0"/>
+          <a:chExt cx="0" cy="0"/>
+        </a:xfrm>
+      </p:grpSpPr>
+      <p:sp>
+        <p:nvSpPr>
+          <p:cNvPr id="2" name="标题 1"/>
+          <p:cNvSpPr>
+            <a:spLocks noGrp="1"/>
+          </p:cNvSpPr>
+          <p:nvPr>
+            <p:ph type="title"/>
+          </p:nvPr>
+        </p:nvSpPr>
+        <p:spPr/>
+        <p:txBody>
+          <a:bodyPr>
+            <a:normAutofit/>
+          </a:bodyPr>
+          <a:lstStyle/>
+          <a:p>
+            <a:r>
+              <a:rPr lang="zh-CN" altLang="en-US" dirty="0" smtClean="0"/>
+              <a:t>提交</a:t>
+            </a:r>
+            <a:r>
+              <a:rPr lang="en-US" altLang="zh-CN" dirty="0" smtClean="0"/>
+              <a:t>code review</a:t>
+            </a:r>
+            <a:endParaRPr lang="zh-CN" altLang="en-US" dirty="0"/>
+          </a:p>
+        </p:txBody>
+      </p:sp>
+      <p:sp>
+        <p:nvSpPr>
+          <p:cNvPr id="3" name="Content Placeholder 2"/>
+          <p:cNvSpPr>
+            <a:spLocks noGrp="1"/>
+          </p:cNvSpPr>
+          <p:nvPr>
+            <p:ph sz="quarter" idx="13"/>
+          </p:nvPr>
+        </p:nvSpPr>
+        <p:spPr>
+          <a:xfrm>
+            <a:off x="1109134" y="968375"/>
+            <a:ext cx="9971242" cy="5272088"/>
+          </a:xfrm>
+        </p:spPr>
+        <p:txBody>
+          <a:bodyPr/>
+          <a:lstStyle/>
+          <a:p>
+            <a:pPr marL="457200" indent="-457200">
+              <a:buFont typeface="Arial" panose="020B0604020202020204" pitchFamily="34" charset="0"/>
+              <a:buChar char="•"/>
+            </a:pPr>
+            <a:r>
+              <a:rPr lang="zh-CN" altLang="en-US" dirty="0" smtClean="0"/>
+              <a:t>作用</a:t>
+            </a:r>
+            <a:endParaRPr lang="en-US" altLang="zh-CN" dirty="0" smtClean="0"/>
+          </a:p>
+          <a:p>
+            <a:pPr marL="742950" lvl="1" indent="-457200">
+              <a:buFont typeface="Arial" panose="020B0604020202020204" pitchFamily="34" charset="0"/>
+              <a:buChar char="•"/>
+            </a:pPr>
+            <a:r>
+              <a:rPr lang="zh-CN" altLang="en-US" dirty="0" smtClean="0"/>
+              <a:t>代码最终进入远程仓库之前的质量检查</a:t>
+            </a:r>
+            <a:endParaRPr lang="en-US" altLang="zh-CN" dirty="0" smtClean="0"/>
+          </a:p>
+          <a:p>
+            <a:pPr marL="457200" indent="-457200">
+              <a:buFont typeface="Arial" panose="020B0604020202020204" pitchFamily="34" charset="0"/>
+              <a:buChar char="•"/>
+            </a:pPr>
+            <a:r>
+              <a:rPr lang="zh-CN" altLang="en-US" dirty="0" smtClean="0"/>
+              <a:t>命令</a:t>
+            </a:r>
+            <a:endParaRPr lang="en-US" altLang="zh-CN" dirty="0" smtClean="0"/>
+          </a:p>
+          <a:p>
+            <a:pPr marL="742950" lvl="1" indent="-457200">
+              <a:buFont typeface="Arial" panose="020B0604020202020204" pitchFamily="34" charset="0"/>
+              <a:buChar char="•"/>
+            </a:pPr>
+            <a:r>
+              <a:rPr lang="en-US" altLang="zh-CN" dirty="0" err="1" smtClean="0"/>
+              <a:t>git</a:t>
+            </a:r>
+            <a:r>
+              <a:rPr lang="en-US" altLang="zh-CN" dirty="0" smtClean="0"/>
+              <a:t> push origin </a:t>
+            </a:r>
+            <a:r>
+              <a:rPr lang="en-US" altLang="zh-CN" dirty="0" err="1" smtClean="0"/>
+              <a:t>HEAD:refs</a:t>
+            </a:r>
+            <a:r>
+              <a:rPr lang="en-US" altLang="zh-CN" dirty="0" smtClean="0"/>
+              <a:t>/for/&lt;branch name&gt;</a:t>
+            </a:r>
+          </a:p>
+          <a:p>
+            <a:pPr marL="457200" indent="-457200">
+              <a:buFont typeface="Arial" panose="020B0604020202020204" pitchFamily="34" charset="0"/>
+              <a:buChar char="•"/>
+            </a:pPr>
+            <a:r>
+              <a:rPr lang="zh-CN" altLang="en-US" dirty="0" smtClean="0"/>
+              <a:t>在</a:t>
+            </a:r>
+            <a:r>
+              <a:rPr lang="en-US" altLang="zh-CN" dirty="0">
+                <a:hlinkClick r:id="rId3"/>
+              </a:rPr>
+              <a:t>http://codeserver.baina.com:8080</a:t>
+            </a:r>
+            <a:r>
+              <a:rPr lang="en-US" altLang="zh-CN" dirty="0" smtClean="0">
+                <a:hlinkClick r:id="rId3"/>
+              </a:rPr>
+              <a:t>/#/</a:t>
+            </a:r>
+            <a:r>
+              <a:rPr lang="zh-CN" altLang="en-US" dirty="0" smtClean="0"/>
+              <a:t>网页上进行</a:t>
+            </a:r>
+            <a:r>
+              <a:rPr lang="en-US" altLang="zh-CN" dirty="0" smtClean="0"/>
+              <a:t>code review</a:t>
+            </a:r>
+          </a:p>
+        </p:txBody>
+      </p:sp>
+    </p:spTree>
+    <p:extLst>
+      <p:ext uri="{BB962C8B-B14F-4D97-AF65-F5344CB8AC3E}">
+        <p14:creationId xmlns:p14="http://schemas.microsoft.com/office/powerpoint/2010/main" val="1804810946"/>
+      </p:ext>
+    </p:extLst>
+  </p:cSld>
+  <p:clrMapOvr>
+    <a:masterClrMapping/>
+  </p:clrMapOvr>
+  <p:timing>
+    <p:tnLst>
+      <p:par>
+        <p:cTn id="1" dur="indefinite" restart="never" nodeType="tmRoot"/>
+      </p:par>
+    </p:tnLst>
+  </p:timing>
+</p:sld>
+</file>
+
+<file path=ppt/slides/slide16.xml><?xml version="1.0" encoding="utf-8"?>
+<p:sld xmlns:a="http://schemas.openxmlformats.org/drawingml/2006/main" xmlns:r="http://schemas.openxmlformats.org/officeDocument/2006/relationships" xmlns:p="http://schemas.openxmlformats.org/presentationml/2006/main">
+  <p:cSld>
+    <p:spTree>
+      <p:nvGrpSpPr>
+        <p:cNvPr id="1" name=""/>
+        <p:cNvGrpSpPr/>
+        <p:nvPr/>
+      </p:nvGrpSpPr>
+      <p:grpSpPr>
+        <a:xfrm>
+          <a:off x="0" y="0"/>
+          <a:ext cx="0" cy="0"/>
+          <a:chOff x="0" y="0"/>
+          <a:chExt cx="0" cy="0"/>
+        </a:xfrm>
+      </p:grpSpPr>
+      <p:sp>
+        <p:nvSpPr>
+          <p:cNvPr id="2" name="标题 1"/>
+          <p:cNvSpPr>
+            <a:spLocks noGrp="1"/>
+          </p:cNvSpPr>
+          <p:nvPr>
+            <p:ph type="title"/>
+          </p:nvPr>
+        </p:nvSpPr>
+        <p:spPr/>
+        <p:txBody>
+          <a:bodyPr>
+            <a:normAutofit/>
+          </a:bodyPr>
+          <a:lstStyle/>
+          <a:p>
+            <a:r>
+              <a:rPr lang="zh-CN" altLang="en-US" dirty="0" smtClean="0"/>
+              <a:t>远程仓库入库</a:t>
+            </a:r>
+            <a:endParaRPr lang="zh-CN" altLang="en-US" dirty="0"/>
+          </a:p>
+        </p:txBody>
+      </p:sp>
+      <p:sp>
+        <p:nvSpPr>
+          <p:cNvPr id="3" name="Content Placeholder 2"/>
+          <p:cNvSpPr>
+            <a:spLocks noGrp="1"/>
+          </p:cNvSpPr>
+          <p:nvPr>
+            <p:ph sz="quarter" idx="13"/>
+          </p:nvPr>
+        </p:nvSpPr>
+        <p:spPr>
+          <a:xfrm>
+            <a:off x="1109134" y="968375"/>
+            <a:ext cx="9971242" cy="5272088"/>
+          </a:xfrm>
+        </p:spPr>
+        <p:txBody>
+          <a:bodyPr/>
+          <a:lstStyle/>
+          <a:p>
+            <a:pPr marL="457200" indent="-457200">
+              <a:buFont typeface="Arial" panose="020B0604020202020204" pitchFamily="34" charset="0"/>
+              <a:buChar char="•"/>
+            </a:pPr>
+            <a:r>
+              <a:rPr lang="zh-CN" altLang="en-US" dirty="0" smtClean="0"/>
+              <a:t>代码提交者需要自查代码，自查通过之后，将本次提交标记为 </a:t>
+            </a:r>
+            <a:r>
+              <a:rPr lang="en-US" altLang="zh-CN" dirty="0" smtClean="0"/>
+              <a:t>verified.</a:t>
+            </a:r>
+          </a:p>
+          <a:p>
+            <a:pPr marL="457200" indent="-457200">
+              <a:buFont typeface="Arial" panose="020B0604020202020204" pitchFamily="34" charset="0"/>
+              <a:buChar char="•"/>
+            </a:pPr>
+            <a:r>
+              <a:rPr lang="en-US" altLang="zh-CN" dirty="0" smtClean="0"/>
+              <a:t>review </a:t>
+            </a:r>
+            <a:r>
+              <a:rPr lang="zh-CN" altLang="en-US" dirty="0" smtClean="0"/>
+              <a:t>通过之后，</a:t>
+            </a:r>
+            <a:r>
+              <a:rPr lang="en-US" altLang="zh-CN" dirty="0" smtClean="0"/>
+              <a:t>reviewer</a:t>
+            </a:r>
+            <a:r>
+              <a:rPr lang="zh-CN" altLang="en-US" dirty="0" smtClean="0"/>
+              <a:t>将本次提交标记为 </a:t>
+            </a:r>
+            <a:r>
+              <a:rPr lang="en-US" altLang="zh-CN" dirty="0" smtClean="0"/>
+              <a:t>Looks good to me, approved</a:t>
+            </a:r>
+          </a:p>
+          <a:p>
+            <a:pPr marL="457200" indent="-457200">
+              <a:buFont typeface="Arial" panose="020B0604020202020204" pitchFamily="34" charset="0"/>
+              <a:buChar char="•"/>
+            </a:pPr>
+            <a:r>
+              <a:rPr lang="zh-CN" altLang="en-US" dirty="0" smtClean="0"/>
+              <a:t>代码入库</a:t>
+            </a:r>
+            <a:endParaRPr lang="en-US" altLang="zh-CN" dirty="0" smtClean="0"/>
+          </a:p>
+        </p:txBody>
+      </p:sp>
+    </p:spTree>
+    <p:extLst>
+      <p:ext uri="{BB962C8B-B14F-4D97-AF65-F5344CB8AC3E}">
+        <p14:creationId xmlns:p14="http://schemas.microsoft.com/office/powerpoint/2010/main" val="4293483889"/>
+      </p:ext>
+    </p:extLst>
+  </p:cSld>
+  <p:clrMapOvr>
+    <a:masterClrMapping/>
+  </p:clrMapOvr>
+  <p:timing>
+    <p:tnLst>
+      <p:par>
+        <p:cTn id="1" dur="indefinite" restart="never" nodeType="tmRoot"/>
+      </p:par>
+    </p:tnLst>
+  </p:timing>
+</p:sld>
+</file>
+
+<file path=ppt/slides/slide17.xml><?xml version="1.0" encoding="utf-8"?>
+<p:sld xmlns:a="http://schemas.openxmlformats.org/drawingml/2006/main" xmlns:r="http://schemas.openxmlformats.org/officeDocument/2006/relationships" xmlns:p="http://schemas.openxmlformats.org/presentationml/2006/main">
+  <p:cSld>
+    <p:spTree>
+      <p:nvGrpSpPr>
+        <p:cNvPr id="1" name=""/>
+        <p:cNvGrpSpPr/>
+        <p:nvPr/>
+      </p:nvGrpSpPr>
+      <p:grpSpPr>
+        <a:xfrm>
+          <a:off x="0" y="0"/>
+          <a:ext cx="0" cy="0"/>
+          <a:chOff x="0" y="0"/>
+          <a:chExt cx="0" cy="0"/>
+        </a:xfrm>
+      </p:grpSpPr>
+      <p:sp>
+        <p:nvSpPr>
+          <p:cNvPr id="2" name="标题 1"/>
+          <p:cNvSpPr>
+            <a:spLocks noGrp="1"/>
+          </p:cNvSpPr>
+          <p:nvPr>
+            <p:ph type="title"/>
+          </p:nvPr>
+        </p:nvSpPr>
+        <p:spPr/>
+        <p:txBody>
+          <a:bodyPr>
+            <a:normAutofit/>
+          </a:bodyPr>
+          <a:lstStyle/>
+          <a:p>
+            <a:endParaRPr lang="zh-CN" altLang="en-US" dirty="0"/>
+          </a:p>
+        </p:txBody>
+      </p:sp>
+      <p:sp>
+        <p:nvSpPr>
+          <p:cNvPr id="3" name="Content Placeholder 2"/>
+          <p:cNvSpPr>
+            <a:spLocks noGrp="1"/>
+          </p:cNvSpPr>
+          <p:nvPr>
+            <p:ph sz="quarter" idx="13"/>
+          </p:nvPr>
+        </p:nvSpPr>
+        <p:spPr>
+          <a:xfrm>
+            <a:off x="1109134" y="968375"/>
+            <a:ext cx="9971242" cy="5272088"/>
+          </a:xfrm>
+        </p:spPr>
+        <p:txBody>
+          <a:bodyPr/>
+          <a:lstStyle/>
+          <a:p>
+            <a:pPr algn="ctr"/>
+            <a:endParaRPr lang="en-US" altLang="zh-CN" dirty="0" smtClean="0"/>
+          </a:p>
+          <a:p>
+            <a:pPr algn="ctr"/>
+            <a:endParaRPr lang="en-US" altLang="zh-CN" dirty="0"/>
+          </a:p>
+          <a:p>
+            <a:pPr algn="ctr"/>
+            <a:endParaRPr lang="en-US" altLang="zh-CN" dirty="0" smtClean="0"/>
+          </a:p>
+          <a:p>
+            <a:pPr algn="ctr"/>
+            <a:endParaRPr lang="en-US" altLang="zh-CN" dirty="0"/>
+          </a:p>
+          <a:p>
+            <a:pPr algn="ctr"/>
+            <a:r>
+              <a:rPr lang="en-US" altLang="zh-CN" dirty="0" smtClean="0"/>
+              <a:t>To be continued...</a:t>
+            </a:r>
+          </a:p>
+        </p:txBody>
+      </p:sp>
+    </p:spTree>
+    <p:extLst>
+      <p:ext uri="{BB962C8B-B14F-4D97-AF65-F5344CB8AC3E}">
+        <p14:creationId xmlns:p14="http://schemas.microsoft.com/office/powerpoint/2010/main" val="767743292"/>
+      </p:ext>
+    </p:extLst>
+  </p:cSld>
+  <p:clrMapOvr>
+    <a:masterClrMapping/>
+  </p:clrMapOvr>
+  <p:timing>
+    <p:tnLst>
+      <p:par>
+        <p:cTn id="1" dur="indefinite" restart="never" nodeType="tmRoot"/>
+      </p:par>
+    </p:tnLst>
+  </p:timing>
+</p:sld>
+</file>
+
 <file path=ppt/slides/slide2.xml><?xml version="1.0" encoding="utf-8"?>
 <p:sld xmlns:a="http://schemas.openxmlformats.org/drawingml/2006/main" xmlns:r="http://schemas.openxmlformats.org/officeDocument/2006/relationships" xmlns:p="http://schemas.openxmlformats.org/presentationml/2006/main">
   <p:cSld>
@@ -4661,8 +7187,28 @@
             </a:pPr>
             <a:r>
               <a:rPr lang="zh-CN" altLang="en-US" dirty="0"/>
-              <a:t>版本控制是一种记录一个或若干文件内容变化，以便将来查阅特定版本修订情况的系统。</a:t>
-            </a:r>
+              <a:t>版本控制是一种记录一个或若干文件内容变化，以便将来查阅特定版本修订情况的系统</a:t>
+            </a:r>
+            <a:r>
+              <a:rPr lang="zh-CN" altLang="en-US" dirty="0" smtClean="0"/>
+              <a:t>。</a:t>
+            </a:r>
+            <a:endParaRPr lang="en-US" altLang="zh-CN" dirty="0"/>
+          </a:p>
+          <a:p>
+            <a:pPr marL="457200" indent="-457200">
+              <a:buFont typeface="Arial" panose="020B0604020202020204" pitchFamily="34" charset="0"/>
+              <a:buChar char="•"/>
+            </a:pPr>
+            <a:r>
+              <a:rPr lang="zh-CN" altLang="en-US" dirty="0" smtClean="0"/>
+              <a:t>记录单位：</a:t>
+            </a:r>
+            <a:r>
+              <a:rPr lang="en-US" altLang="zh-CN" dirty="0" smtClean="0"/>
+              <a:t>commit</a:t>
+            </a:r>
+            <a:endParaRPr lang="en-US" altLang="zh-CN" dirty="0" smtClean="0"/>
           </a:p>
         </p:txBody>
       </p:sp>
@@ -4722,7 +7268,6 @@
               <a:rPr lang="zh-CN" altLang="en-US" dirty="0"/>
               <a:t>本地版本控制系统</a:t>
             </a:r>
-            <a:endParaRPr lang="zh-CN" altLang="en-US" dirty="0"/>
           </a:p>
         </p:txBody>
       </p:sp>
@@ -4753,6 +7298,36 @@
           </a:p>
         </p:txBody>
       </p:sp>
+      <p:pic>
+        <p:nvPicPr>
+          <p:cNvPr id="5" name="Picture 4"/>
+          <p:cNvPicPr>
+            <a:picLocks noChangeAspect="1"/>
+          </p:cNvPicPr>
+          <p:nvPr/>
+        </p:nvPicPr>
+        <p:blipFill>
+          <a:blip r:embed="rId2">
+            <a:extLst>
+              <a:ext uri="{28A0092B-C50C-407E-A947-70E740481C1C}">
+                <a14:useLocalDpi xmlns:a14="http://schemas.microsoft.com/office/drawing/2010/main" val="0"/>
+              </a:ext>
+            </a:extLst>
+          </a:blip>
+          <a:stretch>
+            <a:fillRect/>
+          </a:stretch>
+        </p:blipFill>
+        <p:spPr>
+          <a:xfrm>
+            <a:off x="4191000" y="2459865"/>
+            <a:ext cx="3810000" cy="3200400"/>
+          </a:xfrm>
+          <a:prstGeom prst="rect">
+            <a:avLst/>
+          </a:prstGeom>
+        </p:spPr>
+      </p:pic>
     </p:spTree>
     <p:extLst>
       <p:ext uri="{BB962C8B-B14F-4D97-AF65-F5344CB8AC3E}">
@@ -4807,7 +7382,11 @@
           <a:p>
             <a:r>
               <a:rPr lang="zh-CN" altLang="en-US" dirty="0" smtClean="0"/>
-              <a:t>集中式版本控制系统</a:t>
+              <a:t>集中式版本控制</a:t>
+            </a:r>
+            <a:r>
+              <a:rPr lang="zh-CN" altLang="en-US" dirty="0" smtClean="0"/>
+              <a:t>系统</a:t>
             </a:r>
             <a:endParaRPr lang="zh-CN" altLang="en-US" dirty="0"/>
           </a:p>
@@ -4833,9 +7412,14 @@
               <a:buChar char="•"/>
             </a:pPr>
             <a:r>
+              <a:rPr lang="zh-CN" altLang="en-US" dirty="0" smtClean="0"/>
+              <a:t>为了方便不同的开发者协同工作产生。</a:t>
+            </a:r>
+            <a:r>
               <a:rPr lang="en-US" altLang="zh-CN" dirty="0" smtClean="0"/>
               <a:t>CVS,SVN</a:t>
             </a:r>
+            <a:endParaRPr lang="en-US" altLang="zh-CN" dirty="0"/>
           </a:p>
           <a:p>
             <a:pPr marL="457200" indent="-457200">
@@ -4843,21 +7427,51 @@
               <a:buChar char="•"/>
             </a:pPr>
             <a:r>
+              <a:rPr lang="zh-CN" altLang="en-US" dirty="0" smtClean="0"/>
+              <a:t>有</a:t>
+            </a:r>
+            <a:r>
               <a:rPr lang="zh-CN" altLang="en-US" dirty="0"/>
-              <a:t>有一个单一的集中管理的服务器，保存所有文件的修订版本，而协同工作的人们都通过客户端连到这台服务器，取出最新的文件或者提交</a:t>
-            </a:r>
-            <a:r>
-              <a:rPr lang="zh-CN" altLang="en-US"/>
-              <a:t>更新</a:t>
-            </a:r>
-            <a:r>
-              <a:rPr lang="zh-CN" altLang="en-US" smtClean="0"/>
+              <a:t>一个单一的集中管理的服务器，保存所有文件的修订版本，而协同工作的人们都通过客户端连到这台服务器，取出最新的文件或者提交更新</a:t>
+            </a:r>
+            <a:r>
+              <a:rPr lang="zh-CN" altLang="en-US" dirty="0" smtClean="0"/>
               <a:t>。</a:t>
             </a:r>
             <a:endParaRPr lang="en-US" altLang="zh-CN" dirty="0" smtClean="0"/>
           </a:p>
         </p:txBody>
       </p:sp>
+      <p:pic>
+        <p:nvPicPr>
+          <p:cNvPr id="4" name="Picture 3"/>
+          <p:cNvPicPr>
+            <a:picLocks noChangeAspect="1"/>
+          </p:cNvPicPr>
+          <p:nvPr/>
+        </p:nvPicPr>
+        <p:blipFill>
+          <a:blip r:embed="rId2">
+            <a:extLst>
+              <a:ext uri="{28A0092B-C50C-407E-A947-70E740481C1C}">
+                <a14:useLocalDpi xmlns:a14="http://schemas.microsoft.com/office/drawing/2010/main" val="0"/>
+              </a:ext>
+            </a:extLst>
+          </a:blip>
+          <a:stretch>
+            <a:fillRect/>
+          </a:stretch>
+        </p:blipFill>
+        <p:spPr>
+          <a:xfrm>
+            <a:off x="3714750" y="3124200"/>
+            <a:ext cx="4762500" cy="3733800"/>
+          </a:xfrm>
+          <a:prstGeom prst="rect">
+            <a:avLst/>
+          </a:prstGeom>
+        </p:spPr>
+      </p:pic>
     </p:spTree>
     <p:extLst>
       <p:ext uri="{BB962C8B-B14F-4D97-AF65-F5344CB8AC3E}">
@@ -4914,7 +7528,23 @@
           <a:p>
             <a:r>
               <a:rPr lang="zh-CN" altLang="en-US" dirty="0" smtClean="0"/>
-              <a:t>分布式版本控制系统</a:t>
+              <a:t>分布式版本控制</a:t>
+            </a:r>
+            <a:r>
+              <a:rPr lang="zh-CN" altLang="en-US" dirty="0" smtClean="0"/>
+              <a:t>系统</a:t>
+            </a:r>
+            <a:r>
+              <a:rPr lang="en-US" altLang="zh-CN" dirty="0" smtClean="0"/>
+              <a:t>(</a:t>
+            </a:r>
+            <a:r>
+              <a:rPr lang="en-US" altLang="zh-CN" dirty="0" err="1" smtClean="0"/>
+              <a:t>git</a:t>
+            </a:r>
+            <a:r>
+              <a:rPr lang="en-US" altLang="zh-CN" dirty="0"/>
+              <a:t>)</a:t>
             </a:r>
             <a:endParaRPr lang="zh-CN" altLang="en-US" dirty="0"/>
           </a:p>
@@ -4930,7 +7560,12 @@
             <p:ph sz="quarter" idx="13"/>
           </p:nvPr>
         </p:nvSpPr>
-        <p:spPr/>
+        <p:spPr>
+          <a:xfrm>
+            <a:off x="1109134" y="968375"/>
+            <a:ext cx="5786698" cy="5272088"/>
+          </a:xfrm>
+        </p:spPr>
         <p:txBody>
           <a:bodyPr/>
           <a:lstStyle/>
@@ -4945,12 +7580,46 @@
             </a:r>
             <a:r>
               <a:rPr lang="zh-CN" altLang="en-US" dirty="0" smtClean="0"/>
-              <a:t>代码仓库的镜像，甚至都不需要</a:t>
+              <a:t>代码仓库的</a:t>
+            </a:r>
+            <a:r>
+              <a:rPr lang="zh-CN" altLang="en-US" dirty="0" smtClean="0"/>
+              <a:t>镜像。</a:t>
             </a:r>
             <a:endParaRPr lang="zh-CN" altLang="en-US" dirty="0"/>
           </a:p>
         </p:txBody>
       </p:sp>
+      <p:pic>
+        <p:nvPicPr>
+          <p:cNvPr id="4" name="Picture 3"/>
+          <p:cNvPicPr>
+            <a:picLocks noChangeAspect="1"/>
+          </p:cNvPicPr>
+          <p:nvPr/>
+        </p:nvPicPr>
+        <p:blipFill>
+          <a:blip r:embed="rId3">
+            <a:extLst>
+              <a:ext uri="{28A0092B-C50C-407E-A947-70E740481C1C}">
+                <a14:useLocalDpi xmlns:a14="http://schemas.microsoft.com/office/drawing/2010/main" val="0"/>
+              </a:ext>
+            </a:extLst>
+          </a:blip>
+          <a:stretch>
+            <a:fillRect/>
+          </a:stretch>
+        </p:blipFill>
+        <p:spPr>
+          <a:xfrm>
+            <a:off x="6895831" y="941634"/>
+            <a:ext cx="4762500" cy="5362575"/>
+          </a:xfrm>
+          <a:prstGeom prst="rect">
+            <a:avLst/>
+          </a:prstGeom>
+        </p:spPr>
+      </p:pic>
     </p:spTree>
     <p:extLst>
       <p:ext uri="{BB962C8B-B14F-4D97-AF65-F5344CB8AC3E}">
@@ -4988,401 +7657,734 @@
           <a:chExt cx="0" cy="0"/>
         </a:xfrm>
       </p:grpSpPr>
-      <p:pic>
-        <p:nvPicPr>
-          <p:cNvPr id="11267" name="Picture 4" descr="dolphin logo final.jpg"/>
-          <p:cNvPicPr>
-            <a:picLocks noChangeAspect="1" noChangeArrowheads="1"/>
-          </p:cNvPicPr>
-          <p:nvPr/>
-        </p:nvPicPr>
-        <p:blipFill>
-          <a:blip r:embed="rId2">
-            <a:extLst>
-              <a:ext uri="{28A0092B-C50C-407E-A947-70E740481C1C}">
-                <a14:useLocalDpi xmlns:a14="http://schemas.microsoft.com/office/drawing/2010/main" val="0"/>
-              </a:ext>
-            </a:extLst>
-          </a:blip>
-          <a:srcRect/>
-          <a:stretch>
-            <a:fillRect/>
-          </a:stretch>
-        </p:blipFill>
-        <p:spPr bwMode="auto">
+      <p:sp>
+        <p:nvSpPr>
+          <p:cNvPr id="2" name="标题 1"/>
+          <p:cNvSpPr>
+            <a:spLocks noGrp="1"/>
+          </p:cNvSpPr>
+          <p:nvPr>
+            <p:ph type="title"/>
+          </p:nvPr>
+        </p:nvSpPr>
+        <p:spPr/>
+        <p:txBody>
+          <a:bodyPr>
+            <a:normAutofit/>
+          </a:bodyPr>
+          <a:lstStyle/>
+          <a:p>
+            <a:r>
+              <a:rPr lang="en-US" altLang="zh-CN" dirty="0" err="1" smtClean="0"/>
+              <a:t>Git</a:t>
+            </a:r>
+            <a:r>
+              <a:rPr lang="zh-CN" altLang="en-US" dirty="0" smtClean="0"/>
+              <a:t>的优势</a:t>
+            </a:r>
+            <a:endParaRPr lang="zh-CN" altLang="en-US" dirty="0"/>
+          </a:p>
+        </p:txBody>
+      </p:sp>
+      <p:sp>
+        <p:nvSpPr>
+          <p:cNvPr id="3" name="Content Placeholder 2"/>
+          <p:cNvSpPr>
+            <a:spLocks noGrp="1"/>
+          </p:cNvSpPr>
+          <p:nvPr>
+            <p:ph sz="quarter" idx="13"/>
+          </p:nvPr>
+        </p:nvSpPr>
+        <p:spPr>
           <a:xfrm>
-            <a:off x="4495800" y="2011364"/>
-            <a:ext cx="3048000" cy="2255837"/>
+            <a:off x="1109134" y="968375"/>
+            <a:ext cx="9971242" cy="5272088"/>
           </a:xfrm>
-          <a:prstGeom prst="rect">
-            <a:avLst/>
-          </a:prstGeom>
-          <a:noFill/>
-          <a:ln>
-            <a:noFill/>
-          </a:ln>
-          <a:extLst>
-            <a:ext uri="{909E8E84-426E-40DD-AFC4-6F175D3DCCD1}">
-              <a14:hiddenFill xmlns:a14="http://schemas.microsoft.com/office/drawing/2010/main">
-                <a:solidFill>
-                  <a:srgbClr val="FFFFFF"/>
-                </a:solidFill>
-              </a14:hiddenFill>
-            </a:ext>
-            <a:ext uri="{91240B29-F687-4F45-9708-019B960494DF}">
-              <a14:hiddenLine xmlns:a14="http://schemas.microsoft.com/office/drawing/2010/main" w="9525">
-                <a:solidFill>
-                  <a:srgbClr val="000000"/>
-                </a:solidFill>
-                <a:miter lim="800000"/>
-                <a:headEnd/>
-                <a:tailEnd/>
-              </a14:hiddenLine>
-            </a:ext>
-          </a:extLst>
         </p:spPr>
-      </p:pic>
-      <p:sp>
-        <p:nvSpPr>
-          <p:cNvPr id="11268" name="TextBox 5"/>
-          <p:cNvSpPr>
-            <a:spLocks noChangeArrowheads="1"/>
-          </p:cNvSpPr>
-          <p:nvPr/>
-        </p:nvSpPr>
-        <p:spPr bwMode="auto">
-          <a:xfrm>
-            <a:off x="2895600" y="3810000"/>
-            <a:ext cx="6477000" cy="369888"/>
-          </a:xfrm>
-          <a:prstGeom prst="rect">
-            <a:avLst/>
-          </a:prstGeom>
-          <a:noFill/>
-          <a:ln>
-            <a:noFill/>
-          </a:ln>
-          <a:extLst>
-            <a:ext uri="{909E8E84-426E-40DD-AFC4-6F175D3DCCD1}">
-              <a14:hiddenFill xmlns:a14="http://schemas.microsoft.com/office/drawing/2010/main">
-                <a:solidFill>
-                  <a:srgbClr val="FFFFFF"/>
-                </a:solidFill>
-              </a14:hiddenFill>
-            </a:ext>
-            <a:ext uri="{91240B29-F687-4F45-9708-019B960494DF}">
-              <a14:hiddenLine xmlns:a14="http://schemas.microsoft.com/office/drawing/2010/main" w="9525">
-                <a:solidFill>
-                  <a:srgbClr val="000000"/>
-                </a:solidFill>
-                <a:miter lim="800000"/>
-                <a:headEnd/>
-                <a:tailEnd/>
-              </a14:hiddenLine>
-            </a:ext>
-          </a:extLst>
-        </p:spPr>
-        <p:txBody>
-          <a:bodyPr>
-            <a:spAutoFit/>
-          </a:bodyPr>
-          <a:lstStyle>
-            <a:lvl1pPr>
-              <a:defRPr>
-                <a:solidFill>
-                  <a:schemeClr val="tx1"/>
-                </a:solidFill>
-                <a:latin typeface="Arial" pitchFamily="34" charset="0"/>
-                <a:ea typeface="宋体" pitchFamily="2" charset="-122"/>
-              </a:defRPr>
-            </a:lvl1pPr>
-            <a:lvl2pPr marL="742950" indent="-285750">
-              <a:defRPr>
-                <a:solidFill>
-                  <a:schemeClr val="tx1"/>
-                </a:solidFill>
-                <a:latin typeface="Arial" pitchFamily="34" charset="0"/>
-                <a:ea typeface="宋体" pitchFamily="2" charset="-122"/>
-              </a:defRPr>
-            </a:lvl2pPr>
-            <a:lvl3pPr marL="1143000" indent="-228600">
-              <a:defRPr>
-                <a:solidFill>
-                  <a:schemeClr val="tx1"/>
-                </a:solidFill>
-                <a:latin typeface="Arial" pitchFamily="34" charset="0"/>
-                <a:ea typeface="宋体" pitchFamily="2" charset="-122"/>
-              </a:defRPr>
-            </a:lvl3pPr>
-            <a:lvl4pPr marL="1600200" indent="-228600">
-              <a:defRPr>
-                <a:solidFill>
-                  <a:schemeClr val="tx1"/>
-                </a:solidFill>
-                <a:latin typeface="Arial" pitchFamily="34" charset="0"/>
-                <a:ea typeface="宋体" pitchFamily="2" charset="-122"/>
-              </a:defRPr>
-            </a:lvl4pPr>
-            <a:lvl5pPr marL="2057400" indent="-228600">
-              <a:defRPr>
-                <a:solidFill>
-                  <a:schemeClr val="tx1"/>
-                </a:solidFill>
-                <a:latin typeface="Arial" pitchFamily="34" charset="0"/>
-                <a:ea typeface="宋体" pitchFamily="2" charset="-122"/>
-              </a:defRPr>
-            </a:lvl5pPr>
-            <a:lvl6pPr marL="2514600" indent="-228600" algn="ctr" eaLnBrk="0" fontAlgn="base" hangingPunct="0">
-              <a:spcBef>
-                <a:spcPct val="0"/>
-              </a:spcBef>
-              <a:spcAft>
-                <a:spcPct val="0"/>
-              </a:spcAft>
-              <a:buFont typeface="Arial" pitchFamily="34" charset="0"/>
-              <a:defRPr>
-                <a:solidFill>
-                  <a:schemeClr val="tx1"/>
-                </a:solidFill>
-                <a:latin typeface="Arial" pitchFamily="34" charset="0"/>
-                <a:ea typeface="宋体" pitchFamily="2" charset="-122"/>
-              </a:defRPr>
-            </a:lvl6pPr>
-            <a:lvl7pPr marL="2971800" indent="-228600" algn="ctr" eaLnBrk="0" fontAlgn="base" hangingPunct="0">
-              <a:spcBef>
-                <a:spcPct val="0"/>
-              </a:spcBef>
-              <a:spcAft>
-                <a:spcPct val="0"/>
-              </a:spcAft>
-              <a:buFont typeface="Arial" pitchFamily="34" charset="0"/>
-              <a:defRPr>
-                <a:solidFill>
-                  <a:schemeClr val="tx1"/>
-                </a:solidFill>
-                <a:latin typeface="Arial" pitchFamily="34" charset="0"/>
-                <a:ea typeface="宋体" pitchFamily="2" charset="-122"/>
-              </a:defRPr>
-            </a:lvl7pPr>
-            <a:lvl8pPr marL="3429000" indent="-228600" algn="ctr" eaLnBrk="0" fontAlgn="base" hangingPunct="0">
-              <a:spcBef>
-                <a:spcPct val="0"/>
-              </a:spcBef>
-              <a:spcAft>
-                <a:spcPct val="0"/>
-              </a:spcAft>
-              <a:buFont typeface="Arial" pitchFamily="34" charset="0"/>
-              <a:defRPr>
-                <a:solidFill>
-                  <a:schemeClr val="tx1"/>
-                </a:solidFill>
-                <a:latin typeface="Arial" pitchFamily="34" charset="0"/>
-                <a:ea typeface="宋体" pitchFamily="2" charset="-122"/>
-              </a:defRPr>
-            </a:lvl8pPr>
-            <a:lvl9pPr marL="3886200" indent="-228600" algn="ctr" eaLnBrk="0" fontAlgn="base" hangingPunct="0">
-              <a:spcBef>
-                <a:spcPct val="0"/>
-              </a:spcBef>
-              <a:spcAft>
-                <a:spcPct val="0"/>
-              </a:spcAft>
-              <a:buFont typeface="Arial" pitchFamily="34" charset="0"/>
-              <a:defRPr>
-                <a:solidFill>
-                  <a:schemeClr val="tx1"/>
-                </a:solidFill>
-                <a:latin typeface="Arial" pitchFamily="34" charset="0"/>
-                <a:ea typeface="宋体" pitchFamily="2" charset="-122"/>
-              </a:defRPr>
-            </a:lvl9pPr>
-          </a:lstStyle>
-          <a:p>
-            <a:pPr algn="ctr"/>
-            <a:r>
-              <a:rPr lang="en-US" altLang="zh-CN" dirty="0">
-                <a:solidFill>
-                  <a:srgbClr val="000000"/>
-                </a:solidFill>
-                <a:sym typeface="Calibri" pitchFamily="34" charset="0"/>
-              </a:rPr>
-              <a:t>Smart phone. Clever browsing </a:t>
-            </a:r>
-          </a:p>
-        </p:txBody>
-      </p:sp>
-      <p:sp>
-        <p:nvSpPr>
-          <p:cNvPr id="11269" name="Slide Number Placeholder 1"/>
-          <p:cNvSpPr>
-            <a:spLocks noGrp="1" noChangeArrowheads="1"/>
-          </p:cNvSpPr>
-          <p:nvPr/>
-        </p:nvSpPr>
-        <p:spPr bwMode="auto">
-          <a:xfrm>
-            <a:off x="10210800" y="6365875"/>
-            <a:ext cx="457200" cy="476250"/>
-          </a:xfrm>
-          <a:prstGeom prst="rect">
-            <a:avLst/>
-          </a:prstGeom>
-          <a:noFill/>
-          <a:ln>
-            <a:noFill/>
-          </a:ln>
-          <a:extLst>
-            <a:ext uri="{909E8E84-426E-40DD-AFC4-6F175D3DCCD1}">
-              <a14:hiddenFill xmlns:a14="http://schemas.microsoft.com/office/drawing/2010/main">
-                <a:solidFill>
-                  <a:srgbClr val="FFFFFF"/>
-                </a:solidFill>
-              </a14:hiddenFill>
-            </a:ext>
-            <a:ext uri="{91240B29-F687-4F45-9708-019B960494DF}">
-              <a14:hiddenLine xmlns:a14="http://schemas.microsoft.com/office/drawing/2010/main" w="9525">
-                <a:solidFill>
-                  <a:srgbClr val="000000"/>
-                </a:solidFill>
-                <a:miter lim="800000"/>
-                <a:headEnd/>
-                <a:tailEnd/>
-              </a14:hiddenLine>
-            </a:ext>
-          </a:extLst>
-        </p:spPr>
-        <p:txBody>
-          <a:bodyPr/>
-          <a:lstStyle>
-            <a:lvl1pPr>
-              <a:defRPr>
-                <a:solidFill>
-                  <a:schemeClr val="tx1"/>
-                </a:solidFill>
-                <a:latin typeface="Arial" pitchFamily="34" charset="0"/>
-                <a:ea typeface="宋体" pitchFamily="2" charset="-122"/>
-              </a:defRPr>
-            </a:lvl1pPr>
-            <a:lvl2pPr marL="742950" indent="-285750">
-              <a:defRPr>
-                <a:solidFill>
-                  <a:schemeClr val="tx1"/>
-                </a:solidFill>
-                <a:latin typeface="Arial" pitchFamily="34" charset="0"/>
-                <a:ea typeface="宋体" pitchFamily="2" charset="-122"/>
-              </a:defRPr>
-            </a:lvl2pPr>
-            <a:lvl3pPr marL="1143000" indent="-228600">
-              <a:defRPr>
-                <a:solidFill>
-                  <a:schemeClr val="tx1"/>
-                </a:solidFill>
-                <a:latin typeface="Arial" pitchFamily="34" charset="0"/>
-                <a:ea typeface="宋体" pitchFamily="2" charset="-122"/>
-              </a:defRPr>
-            </a:lvl3pPr>
-            <a:lvl4pPr marL="1600200" indent="-228600">
-              <a:defRPr>
-                <a:solidFill>
-                  <a:schemeClr val="tx1"/>
-                </a:solidFill>
-                <a:latin typeface="Arial" pitchFamily="34" charset="0"/>
-                <a:ea typeface="宋体" pitchFamily="2" charset="-122"/>
-              </a:defRPr>
-            </a:lvl4pPr>
-            <a:lvl5pPr marL="2057400" indent="-228600">
-              <a:defRPr>
-                <a:solidFill>
-                  <a:schemeClr val="tx1"/>
-                </a:solidFill>
-                <a:latin typeface="Arial" pitchFamily="34" charset="0"/>
-                <a:ea typeface="宋体" pitchFamily="2" charset="-122"/>
-              </a:defRPr>
-            </a:lvl5pPr>
-            <a:lvl6pPr marL="2514600" indent="-228600" algn="ctr" eaLnBrk="0" fontAlgn="base" hangingPunct="0">
-              <a:spcBef>
-                <a:spcPct val="0"/>
-              </a:spcBef>
-              <a:spcAft>
-                <a:spcPct val="0"/>
-              </a:spcAft>
-              <a:buFont typeface="Arial" pitchFamily="34" charset="0"/>
-              <a:defRPr>
-                <a:solidFill>
-                  <a:schemeClr val="tx1"/>
-                </a:solidFill>
-                <a:latin typeface="Arial" pitchFamily="34" charset="0"/>
-                <a:ea typeface="宋体" pitchFamily="2" charset="-122"/>
-              </a:defRPr>
-            </a:lvl6pPr>
-            <a:lvl7pPr marL="2971800" indent="-228600" algn="ctr" eaLnBrk="0" fontAlgn="base" hangingPunct="0">
-              <a:spcBef>
-                <a:spcPct val="0"/>
-              </a:spcBef>
-              <a:spcAft>
-                <a:spcPct val="0"/>
-              </a:spcAft>
-              <a:buFont typeface="Arial" pitchFamily="34" charset="0"/>
-              <a:defRPr>
-                <a:solidFill>
-                  <a:schemeClr val="tx1"/>
-                </a:solidFill>
-                <a:latin typeface="Arial" pitchFamily="34" charset="0"/>
-                <a:ea typeface="宋体" pitchFamily="2" charset="-122"/>
-              </a:defRPr>
-            </a:lvl7pPr>
-            <a:lvl8pPr marL="3429000" indent="-228600" algn="ctr" eaLnBrk="0" fontAlgn="base" hangingPunct="0">
-              <a:spcBef>
-                <a:spcPct val="0"/>
-              </a:spcBef>
-              <a:spcAft>
-                <a:spcPct val="0"/>
-              </a:spcAft>
-              <a:buFont typeface="Arial" pitchFamily="34" charset="0"/>
-              <a:defRPr>
-                <a:solidFill>
-                  <a:schemeClr val="tx1"/>
-                </a:solidFill>
-                <a:latin typeface="Arial" pitchFamily="34" charset="0"/>
-                <a:ea typeface="宋体" pitchFamily="2" charset="-122"/>
-              </a:defRPr>
-            </a:lvl8pPr>
-            <a:lvl9pPr marL="3886200" indent="-228600" algn="ctr" eaLnBrk="0" fontAlgn="base" hangingPunct="0">
-              <a:spcBef>
-                <a:spcPct val="0"/>
-              </a:spcBef>
-              <a:spcAft>
-                <a:spcPct val="0"/>
-              </a:spcAft>
-              <a:buFont typeface="Arial" pitchFamily="34" charset="0"/>
-              <a:defRPr>
-                <a:solidFill>
-                  <a:schemeClr val="tx1"/>
-                </a:solidFill>
-                <a:latin typeface="Arial" pitchFamily="34" charset="0"/>
-                <a:ea typeface="宋体" pitchFamily="2" charset="-122"/>
-              </a:defRPr>
-            </a:lvl9pPr>
-          </a:lstStyle>
-          <a:p>
-            <a:endParaRPr lang="zh-CN" altLang="zh-CN"/>
-          </a:p>
-          <a:p>
-            <a:endParaRPr lang="zh-CN" altLang="zh-CN"/>
+        <p:txBody>
+          <a:bodyPr/>
+          <a:lstStyle/>
+          <a:p>
+            <a:pPr marL="457200" indent="-457200">
+              <a:buFont typeface="Arial" panose="020B0604020202020204" pitchFamily="34" charset="0"/>
+              <a:buChar char="•"/>
+            </a:pPr>
+            <a:r>
+              <a:rPr lang="zh-CN" altLang="en-US" dirty="0" smtClean="0"/>
+              <a:t>直接记录文件的快照，而非文件的差异</a:t>
+            </a:r>
+            <a:endParaRPr lang="en-US" altLang="zh-CN" dirty="0" smtClean="0"/>
+          </a:p>
+          <a:p>
+            <a:pPr marL="457200" indent="-457200">
+              <a:buFont typeface="Arial" panose="020B0604020202020204" pitchFamily="34" charset="0"/>
+              <a:buChar char="•"/>
+            </a:pPr>
+            <a:r>
+              <a:rPr lang="zh-CN" altLang="en-US" dirty="0" smtClean="0"/>
+              <a:t>近乎所有操作都在本地执行</a:t>
+            </a:r>
+            <a:endParaRPr lang="en-US" altLang="zh-CN" dirty="0" smtClean="0"/>
+          </a:p>
+          <a:p>
+            <a:pPr marL="457200" indent="-457200">
+              <a:buFont typeface="Arial" panose="020B0604020202020204" pitchFamily="34" charset="0"/>
+              <a:buChar char="•"/>
+            </a:pPr>
+            <a:r>
+              <a:rPr lang="zh-CN" altLang="en-US" dirty="0" smtClean="0"/>
+              <a:t>时刻保持数据完整性</a:t>
+            </a:r>
+            <a:endParaRPr lang="en-US" altLang="zh-CN" dirty="0" smtClean="0"/>
+          </a:p>
+          <a:p>
+            <a:pPr marL="457200" indent="-457200">
+              <a:buFont typeface="Arial" panose="020B0604020202020204" pitchFamily="34" charset="0"/>
+              <a:buChar char="•"/>
+            </a:pPr>
+            <a:r>
+              <a:rPr lang="zh-CN" altLang="en-US" dirty="0" smtClean="0"/>
+              <a:t>数据安全性的提升</a:t>
+            </a:r>
+            <a:endParaRPr lang="en-US" altLang="zh-CN" dirty="0" smtClean="0"/>
           </a:p>
         </p:txBody>
       </p:sp>
     </p:spTree>
     <p:extLst>
       <p:ext uri="{BB962C8B-B14F-4D97-AF65-F5344CB8AC3E}">
-        <p14:creationId xmlns:p14="http://schemas.microsoft.com/office/powerpoint/2010/main" val="1970052735"/>
+        <p14:creationId xmlns:p14="http://schemas.microsoft.com/office/powerpoint/2010/main" val="113758486"/>
       </p:ext>
     </p:extLst>
   </p:cSld>
   <p:clrMapOvr>
     <a:masterClrMapping/>
   </p:clrMapOvr>
-  <p:transition spd="slow" advClick="0"/>
+  <p:timing>
+    <p:tnLst>
+      <p:par>
+        <p:cTn id="1" dur="indefinite" restart="never" nodeType="tmRoot"/>
+      </p:par>
+    </p:tnLst>
+  </p:timing>
+</p:sld>
+</file>
+
+<file path=ppt/slides/slide7.xml><?xml version="1.0" encoding="utf-8"?>
+<p:sld xmlns:a="http://schemas.openxmlformats.org/drawingml/2006/main" xmlns:r="http://schemas.openxmlformats.org/officeDocument/2006/relationships" xmlns:p="http://schemas.openxmlformats.org/presentationml/2006/main">
+  <p:cSld>
+    <p:spTree>
+      <p:nvGrpSpPr>
+        <p:cNvPr id="1" name=""/>
+        <p:cNvGrpSpPr/>
+        <p:nvPr/>
+      </p:nvGrpSpPr>
+      <p:grpSpPr>
+        <a:xfrm>
+          <a:off x="0" y="0"/>
+          <a:ext cx="0" cy="0"/>
+          <a:chOff x="0" y="0"/>
+          <a:chExt cx="0" cy="0"/>
+        </a:xfrm>
+      </p:grpSpPr>
+      <p:sp>
+        <p:nvSpPr>
+          <p:cNvPr id="2" name="标题 1"/>
+          <p:cNvSpPr>
+            <a:spLocks noGrp="1"/>
+          </p:cNvSpPr>
+          <p:nvPr>
+            <p:ph type="title"/>
+          </p:nvPr>
+        </p:nvSpPr>
+        <p:spPr/>
+        <p:txBody>
+          <a:bodyPr>
+            <a:normAutofit/>
+          </a:bodyPr>
+          <a:lstStyle/>
+          <a:p>
+            <a:r>
+              <a:rPr lang="zh-CN" altLang="en-US" dirty="0" smtClean="0"/>
+              <a:t>安装</a:t>
+            </a:r>
+            <a:r>
+              <a:rPr lang="en-US" altLang="zh-CN" dirty="0" err="1" smtClean="0"/>
+              <a:t>git</a:t>
+            </a:r>
+            <a:r>
+              <a:rPr lang="zh-CN" altLang="en-US" dirty="0" smtClean="0"/>
+              <a:t>之后的准备工作</a:t>
+            </a:r>
+            <a:endParaRPr lang="zh-CN" altLang="en-US" dirty="0"/>
+          </a:p>
+        </p:txBody>
+      </p:sp>
+      <p:sp>
+        <p:nvSpPr>
+          <p:cNvPr id="3" name="Content Placeholder 2"/>
+          <p:cNvSpPr>
+            <a:spLocks noGrp="1"/>
+          </p:cNvSpPr>
+          <p:nvPr>
+            <p:ph sz="quarter" idx="13"/>
+          </p:nvPr>
+        </p:nvSpPr>
+        <p:spPr>
+          <a:xfrm>
+            <a:off x="1109134" y="968375"/>
+            <a:ext cx="9971242" cy="5272088"/>
+          </a:xfrm>
+        </p:spPr>
+        <p:txBody>
+          <a:bodyPr/>
+          <a:lstStyle/>
+          <a:p>
+            <a:pPr marL="457200" indent="-457200">
+              <a:buFont typeface="Arial" panose="020B0604020202020204" pitchFamily="34" charset="0"/>
+              <a:buChar char="•"/>
+            </a:pPr>
+            <a:r>
+              <a:rPr lang="zh-CN" altLang="en-US" dirty="0" smtClean="0"/>
+              <a:t>用户信息</a:t>
+            </a:r>
+            <a:endParaRPr lang="en-US" altLang="zh-CN" dirty="0" smtClean="0"/>
+          </a:p>
+          <a:p>
+            <a:pPr marL="742950" lvl="1" indent="-457200">
+              <a:buFont typeface="Arial" panose="020B0604020202020204" pitchFamily="34" charset="0"/>
+              <a:buChar char="•"/>
+            </a:pPr>
+            <a:r>
+              <a:rPr lang="en-US" altLang="zh-CN" dirty="0" err="1" smtClean="0"/>
+              <a:t>git</a:t>
+            </a:r>
+            <a:r>
+              <a:rPr lang="en-US" altLang="zh-CN" dirty="0" smtClean="0"/>
+              <a:t> </a:t>
+            </a:r>
+            <a:r>
+              <a:rPr lang="en-US" altLang="zh-CN" dirty="0" err="1" smtClean="0"/>
+              <a:t>config</a:t>
+            </a:r>
+            <a:r>
+              <a:rPr lang="en-US" altLang="zh-CN" dirty="0" smtClean="0"/>
+              <a:t> --global usr.name </a:t>
+            </a:r>
+            <a:r>
+              <a:rPr lang="en-US" altLang="zh-CN" dirty="0" smtClean="0"/>
+              <a:t>“&lt;YOUR NAME&gt;”</a:t>
+            </a:r>
+          </a:p>
+          <a:p>
+            <a:pPr marL="742950" lvl="1" indent="-457200">
+              <a:buFont typeface="Arial" panose="020B0604020202020204" pitchFamily="34" charset="0"/>
+              <a:buChar char="•"/>
+            </a:pPr>
+            <a:r>
+              <a:rPr lang="en-US" altLang="zh-CN" dirty="0" err="1" smtClean="0"/>
+              <a:t>git</a:t>
+            </a:r>
+            <a:r>
+              <a:rPr lang="en-US" altLang="zh-CN" dirty="0" smtClean="0"/>
+              <a:t> </a:t>
+            </a:r>
+            <a:r>
+              <a:rPr lang="en-US" altLang="zh-CN" dirty="0" err="1" smtClean="0"/>
+              <a:t>config</a:t>
+            </a:r>
+            <a:r>
+              <a:rPr lang="en-US" altLang="zh-CN" dirty="0" smtClean="0"/>
+              <a:t> --global </a:t>
+            </a:r>
+            <a:r>
+              <a:rPr lang="en-US" altLang="zh-CN" dirty="0" err="1" smtClean="0"/>
+              <a:t>user.email</a:t>
+            </a:r>
+            <a:r>
+              <a:rPr lang="en-US" altLang="zh-CN" dirty="0" smtClean="0"/>
+              <a:t> “&lt;YOUR EMAIL&gt;”</a:t>
+            </a:r>
+          </a:p>
+          <a:p>
+            <a:pPr marL="457200" indent="-457200">
+              <a:buFont typeface="Arial" panose="020B0604020202020204" pitchFamily="34" charset="0"/>
+              <a:buChar char="•"/>
+            </a:pPr>
+            <a:r>
+              <a:rPr lang="zh-CN" altLang="en-US" dirty="0" smtClean="0"/>
+              <a:t>差异分析工具</a:t>
+            </a:r>
+            <a:endParaRPr lang="en-US" altLang="zh-CN" dirty="0" smtClean="0"/>
+          </a:p>
+          <a:p>
+            <a:pPr marL="742950" lvl="1" indent="-457200">
+              <a:buFont typeface="Arial" panose="020B0604020202020204" pitchFamily="34" charset="0"/>
+              <a:buChar char="•"/>
+            </a:pPr>
+            <a:r>
+              <a:rPr lang="en-US" altLang="zh-CN" dirty="0" err="1" smtClean="0"/>
+              <a:t>git</a:t>
+            </a:r>
+            <a:r>
+              <a:rPr lang="en-US" altLang="zh-CN" dirty="0" smtClean="0"/>
+              <a:t> </a:t>
+            </a:r>
+            <a:r>
+              <a:rPr lang="en-US" altLang="zh-CN" dirty="0" err="1" smtClean="0"/>
+              <a:t>config</a:t>
+            </a:r>
+            <a:r>
+              <a:rPr lang="en-US" altLang="zh-CN" dirty="0" smtClean="0"/>
+              <a:t> --global </a:t>
+            </a:r>
+            <a:r>
+              <a:rPr lang="en-US" altLang="zh-CN" dirty="0" err="1" smtClean="0"/>
+              <a:t>merge.tool</a:t>
+            </a:r>
+            <a:r>
+              <a:rPr lang="en-US" altLang="zh-CN" dirty="0" smtClean="0"/>
+              <a:t> kdiff3</a:t>
+            </a:r>
+          </a:p>
+          <a:p>
+            <a:pPr marL="742950" lvl="1" indent="-457200">
+              <a:buFont typeface="Arial" panose="020B0604020202020204" pitchFamily="34" charset="0"/>
+              <a:buChar char="•"/>
+            </a:pPr>
+            <a:r>
+              <a:rPr lang="en-US" altLang="zh-CN" dirty="0" smtClean="0"/>
+              <a:t>kdiff3</a:t>
+            </a:r>
+            <a:r>
+              <a:rPr lang="zh-CN" altLang="en-US" dirty="0" smtClean="0"/>
+              <a:t>安装文件：</a:t>
+            </a:r>
+            <a:endParaRPr lang="en-US" altLang="zh-CN" dirty="0" smtClean="0"/>
+          </a:p>
+          <a:p>
+            <a:pPr marL="987425" lvl="2" indent="-457200">
+              <a:buFont typeface="Arial" panose="020B0604020202020204" pitchFamily="34" charset="0"/>
+              <a:buChar char="•"/>
+            </a:pPr>
+            <a:r>
+              <a:rPr lang="en-US" altLang="zh-CN" dirty="0"/>
+              <a:t>\\share\MemberShare\dan </a:t>
+            </a:r>
+            <a:r>
+              <a:rPr lang="en-US" altLang="zh-CN" dirty="0" err="1"/>
+              <a:t>liu</a:t>
+            </a:r>
+            <a:r>
+              <a:rPr lang="en-US" altLang="zh-CN" dirty="0"/>
+              <a:t>\</a:t>
+            </a:r>
+            <a:r>
+              <a:rPr lang="en-US" altLang="zh-CN" dirty="0" err="1"/>
+              <a:t>shared_installation</a:t>
+            </a:r>
+            <a:endParaRPr lang="zh-CN" altLang="en-US" dirty="0"/>
+          </a:p>
+        </p:txBody>
+      </p:sp>
+    </p:spTree>
+    <p:extLst>
+      <p:ext uri="{BB962C8B-B14F-4D97-AF65-F5344CB8AC3E}">
+        <p14:creationId xmlns:p14="http://schemas.microsoft.com/office/powerpoint/2010/main" val="382260515"/>
+      </p:ext>
+    </p:extLst>
+  </p:cSld>
+  <p:clrMapOvr>
+    <a:masterClrMapping/>
+  </p:clrMapOvr>
+  <p:timing>
+    <p:tnLst>
+      <p:par>
+        <p:cTn id="1" dur="indefinite" restart="never" nodeType="tmRoot"/>
+      </p:par>
+    </p:tnLst>
+  </p:timing>
+</p:sld>
+</file>
+
+<file path=ppt/slides/slide8.xml><?xml version="1.0" encoding="utf-8"?>
+<p:sld xmlns:a="http://schemas.openxmlformats.org/drawingml/2006/main" xmlns:r="http://schemas.openxmlformats.org/officeDocument/2006/relationships" xmlns:p="http://schemas.openxmlformats.org/presentationml/2006/main">
+  <p:cSld>
+    <p:spTree>
+      <p:nvGrpSpPr>
+        <p:cNvPr id="1" name=""/>
+        <p:cNvGrpSpPr/>
+        <p:nvPr/>
+      </p:nvGrpSpPr>
+      <p:grpSpPr>
+        <a:xfrm>
+          <a:off x="0" y="0"/>
+          <a:ext cx="0" cy="0"/>
+          <a:chOff x="0" y="0"/>
+          <a:chExt cx="0" cy="0"/>
+        </a:xfrm>
+      </p:grpSpPr>
+      <p:sp>
+        <p:nvSpPr>
+          <p:cNvPr id="2" name="标题 1"/>
+          <p:cNvSpPr>
+            <a:spLocks noGrp="1"/>
+          </p:cNvSpPr>
+          <p:nvPr>
+            <p:ph type="title"/>
+          </p:nvPr>
+        </p:nvSpPr>
+        <p:spPr/>
+        <p:txBody>
+          <a:bodyPr>
+            <a:normAutofit/>
+          </a:bodyPr>
+          <a:lstStyle/>
+          <a:p>
+            <a:r>
+              <a:rPr lang="zh-CN" altLang="en-US" dirty="0" smtClean="0"/>
+              <a:t>主要操作流程</a:t>
+            </a:r>
+            <a:endParaRPr lang="zh-CN" altLang="en-US" dirty="0"/>
+          </a:p>
+        </p:txBody>
+      </p:sp>
+      <p:sp>
+        <p:nvSpPr>
+          <p:cNvPr id="3" name="Content Placeholder 2"/>
+          <p:cNvSpPr>
+            <a:spLocks noGrp="1"/>
+          </p:cNvSpPr>
+          <p:nvPr>
+            <p:ph sz="quarter" idx="13"/>
+          </p:nvPr>
+        </p:nvSpPr>
+        <p:spPr>
+          <a:xfrm>
+            <a:off x="1109134" y="968375"/>
+            <a:ext cx="9971242" cy="5272088"/>
+          </a:xfrm>
+        </p:spPr>
+        <p:txBody>
+          <a:bodyPr>
+            <a:normAutofit/>
+          </a:bodyPr>
+          <a:lstStyle/>
+          <a:p>
+            <a:pPr marL="457200" indent="-457200">
+              <a:buFont typeface="Arial" panose="020B0604020202020204" pitchFamily="34" charset="0"/>
+              <a:buChar char="•"/>
+            </a:pPr>
+            <a:r>
+              <a:rPr lang="zh-CN" altLang="en-US" dirty="0" smtClean="0"/>
+              <a:t>开始使用</a:t>
+            </a:r>
+            <a:r>
+              <a:rPr lang="en-US" altLang="zh-CN" dirty="0" err="1" smtClean="0"/>
+              <a:t>git</a:t>
+            </a:r>
+            <a:r>
+              <a:rPr lang="zh-CN" altLang="en-US" dirty="0" smtClean="0"/>
+              <a:t>管理某个项目，或者获取到现有的已被</a:t>
+            </a:r>
+            <a:r>
+              <a:rPr lang="en-US" altLang="zh-CN" dirty="0" err="1" smtClean="0"/>
+              <a:t>git</a:t>
+            </a:r>
+            <a:r>
+              <a:rPr lang="zh-CN" altLang="en-US" dirty="0" smtClean="0"/>
+              <a:t>管理的项目</a:t>
+            </a:r>
+            <a:endParaRPr lang="en-US" altLang="zh-CN" dirty="0" smtClean="0"/>
+          </a:p>
+          <a:p>
+            <a:pPr marL="457200" indent="-457200">
+              <a:buFont typeface="Arial" panose="020B0604020202020204" pitchFamily="34" charset="0"/>
+              <a:buChar char="•"/>
+            </a:pPr>
+            <a:r>
+              <a:rPr lang="zh-CN" altLang="en-US" dirty="0" smtClean="0"/>
+              <a:t>准备工作（</a:t>
+            </a:r>
+            <a:r>
+              <a:rPr lang="en-US" altLang="zh-CN" dirty="0" smtClean="0"/>
+              <a:t>local</a:t>
+            </a:r>
+            <a:r>
+              <a:rPr lang="zh-CN" altLang="en-US" dirty="0" smtClean="0"/>
+              <a:t>）</a:t>
+            </a:r>
+            <a:endParaRPr lang="en-US" altLang="zh-CN" dirty="0" smtClean="0"/>
+          </a:p>
+          <a:p>
+            <a:pPr marL="457200" indent="-457200">
+              <a:buFont typeface="Arial" panose="020B0604020202020204" pitchFamily="34" charset="0"/>
+              <a:buChar char="•"/>
+            </a:pPr>
+            <a:r>
+              <a:rPr lang="zh-CN" altLang="en-US" dirty="0" smtClean="0"/>
+              <a:t>切换到开发分支</a:t>
+            </a:r>
+            <a:endParaRPr lang="en-US" altLang="zh-CN" dirty="0" smtClean="0"/>
+          </a:p>
+          <a:p>
+            <a:pPr marL="457200" indent="-457200">
+              <a:buFont typeface="Arial" panose="020B0604020202020204" pitchFamily="34" charset="0"/>
+              <a:buChar char="•"/>
+            </a:pPr>
+            <a:r>
+              <a:rPr lang="zh-CN" altLang="en-US" dirty="0" smtClean="0">
+                <a:solidFill>
+                  <a:schemeClr val="tx2">
+                    <a:lumMod val="60000"/>
+                    <a:lumOff val="40000"/>
+                  </a:schemeClr>
+                </a:solidFill>
+              </a:rPr>
+              <a:t>项目开发</a:t>
+            </a:r>
+            <a:endParaRPr lang="en-US" altLang="zh-CN" dirty="0" smtClean="0">
+              <a:solidFill>
+                <a:schemeClr val="tx2">
+                  <a:lumMod val="60000"/>
+                  <a:lumOff val="40000"/>
+                </a:schemeClr>
+              </a:solidFill>
+            </a:endParaRPr>
+          </a:p>
+          <a:p>
+            <a:pPr marL="457200" indent="-457200">
+              <a:buFont typeface="Arial" panose="020B0604020202020204" pitchFamily="34" charset="0"/>
+              <a:buChar char="•"/>
+            </a:pPr>
+            <a:r>
+              <a:rPr lang="zh-CN" altLang="en-US" dirty="0" smtClean="0"/>
+              <a:t>本地提交</a:t>
+            </a:r>
+            <a:endParaRPr lang="en-US" altLang="zh-CN" dirty="0" smtClean="0"/>
+          </a:p>
+          <a:p>
+            <a:pPr marL="457200" indent="-457200">
+              <a:buFont typeface="Arial" panose="020B0604020202020204" pitchFamily="34" charset="0"/>
+              <a:buChar char="•"/>
+            </a:pPr>
+            <a:r>
+              <a:rPr lang="zh-CN" altLang="en-US" dirty="0" smtClean="0"/>
+              <a:t>更新本地仓库</a:t>
+            </a:r>
+            <a:endParaRPr lang="en-US" altLang="zh-CN" dirty="0" smtClean="0"/>
+          </a:p>
+          <a:p>
+            <a:pPr marL="457200" indent="-457200">
+              <a:buFont typeface="Arial" panose="020B0604020202020204" pitchFamily="34" charset="0"/>
+              <a:buChar char="•"/>
+            </a:pPr>
+            <a:r>
+              <a:rPr lang="zh-CN" altLang="en-US" dirty="0" smtClean="0"/>
+              <a:t>提交</a:t>
+            </a:r>
+            <a:r>
+              <a:rPr lang="en-US" altLang="zh-CN" dirty="0" smtClean="0"/>
+              <a:t>code review</a:t>
+            </a:r>
+          </a:p>
+          <a:p>
+            <a:pPr marL="457200" indent="-457200">
+              <a:buFont typeface="Arial" panose="020B0604020202020204" pitchFamily="34" charset="0"/>
+              <a:buChar char="•"/>
+            </a:pPr>
+            <a:r>
+              <a:rPr lang="zh-CN" altLang="en-US" dirty="0" smtClean="0"/>
+              <a:t>远程仓库入库</a:t>
+            </a:r>
+            <a:endParaRPr lang="en-US" altLang="zh-CN" dirty="0" smtClean="0"/>
+          </a:p>
+        </p:txBody>
+      </p:sp>
+    </p:spTree>
+    <p:extLst>
+      <p:ext uri="{BB962C8B-B14F-4D97-AF65-F5344CB8AC3E}">
+        <p14:creationId xmlns:p14="http://schemas.microsoft.com/office/powerpoint/2010/main" val="2773554866"/>
+      </p:ext>
+    </p:extLst>
+  </p:cSld>
+  <p:clrMapOvr>
+    <a:masterClrMapping/>
+  </p:clrMapOvr>
+  <p:timing>
+    <p:tnLst>
+      <p:par>
+        <p:cTn id="1" dur="indefinite" restart="never" nodeType="tmRoot"/>
+      </p:par>
+    </p:tnLst>
+  </p:timing>
+</p:sld>
+</file>
+
+<file path=ppt/slides/slide9.xml><?xml version="1.0" encoding="utf-8"?>
+<p:sld xmlns:a="http://schemas.openxmlformats.org/drawingml/2006/main" xmlns:r="http://schemas.openxmlformats.org/officeDocument/2006/relationships" xmlns:p="http://schemas.openxmlformats.org/presentationml/2006/main">
+  <p:cSld>
+    <p:spTree>
+      <p:nvGrpSpPr>
+        <p:cNvPr id="1" name=""/>
+        <p:cNvGrpSpPr/>
+        <p:nvPr/>
+      </p:nvGrpSpPr>
+      <p:grpSpPr>
+        <a:xfrm>
+          <a:off x="0" y="0"/>
+          <a:ext cx="0" cy="0"/>
+          <a:chOff x="0" y="0"/>
+          <a:chExt cx="0" cy="0"/>
+        </a:xfrm>
+      </p:grpSpPr>
+      <p:sp>
+        <p:nvSpPr>
+          <p:cNvPr id="2" name="标题 1"/>
+          <p:cNvSpPr>
+            <a:spLocks noGrp="1"/>
+          </p:cNvSpPr>
+          <p:nvPr>
+            <p:ph type="title"/>
+          </p:nvPr>
+        </p:nvSpPr>
+        <p:spPr/>
+        <p:txBody>
+          <a:bodyPr>
+            <a:normAutofit/>
+          </a:bodyPr>
+          <a:lstStyle/>
+          <a:p>
+            <a:r>
+              <a:rPr lang="zh-CN" altLang="en-US" dirty="0" smtClean="0"/>
+              <a:t>开始</a:t>
+            </a:r>
+            <a:endParaRPr lang="zh-CN" altLang="en-US" dirty="0"/>
+          </a:p>
+        </p:txBody>
+      </p:sp>
+      <p:sp>
+        <p:nvSpPr>
+          <p:cNvPr id="3" name="Content Placeholder 2"/>
+          <p:cNvSpPr>
+            <a:spLocks noGrp="1"/>
+          </p:cNvSpPr>
+          <p:nvPr>
+            <p:ph sz="quarter" idx="13"/>
+          </p:nvPr>
+        </p:nvSpPr>
+        <p:spPr>
+          <a:xfrm>
+            <a:off x="1109134" y="968375"/>
+            <a:ext cx="9971242" cy="5272088"/>
+          </a:xfrm>
+        </p:spPr>
+        <p:txBody>
+          <a:bodyPr/>
+          <a:lstStyle/>
+          <a:p>
+            <a:pPr marL="457200" indent="-457200">
+              <a:buFont typeface="Arial" panose="020B0604020202020204" pitchFamily="34" charset="0"/>
+              <a:buChar char="•"/>
+            </a:pPr>
+            <a:r>
+              <a:rPr lang="zh-CN" altLang="en-US" dirty="0" smtClean="0"/>
+              <a:t>开始使用</a:t>
+            </a:r>
+            <a:r>
+              <a:rPr lang="en-US" altLang="zh-CN" dirty="0" err="1" smtClean="0"/>
+              <a:t>git</a:t>
+            </a:r>
+            <a:r>
+              <a:rPr lang="zh-CN" altLang="en-US" dirty="0" smtClean="0"/>
+              <a:t>管理项目</a:t>
+            </a:r>
+            <a:endParaRPr lang="en-US" altLang="zh-CN" dirty="0" smtClean="0"/>
+          </a:p>
+          <a:p>
+            <a:pPr marL="742950" lvl="1" indent="-457200">
+              <a:buFont typeface="Arial" panose="020B0604020202020204" pitchFamily="34" charset="0"/>
+              <a:buChar char="•"/>
+            </a:pPr>
+            <a:r>
+              <a:rPr lang="zh-CN" altLang="en-US" dirty="0" smtClean="0"/>
+              <a:t>命令行切换到需要被管理的项目所在的文件夹</a:t>
+            </a:r>
+            <a:endParaRPr lang="en-US" altLang="zh-CN" dirty="0" smtClean="0"/>
+          </a:p>
+          <a:p>
+            <a:pPr marL="742950" lvl="1" indent="-457200">
+              <a:buFont typeface="Arial" panose="020B0604020202020204" pitchFamily="34" charset="0"/>
+              <a:buChar char="•"/>
+            </a:pPr>
+            <a:r>
+              <a:rPr lang="en-US" altLang="zh-CN" dirty="0" err="1" smtClean="0"/>
+              <a:t>git</a:t>
+            </a:r>
+            <a:r>
+              <a:rPr lang="en-US" altLang="zh-CN" dirty="0" smtClean="0"/>
+              <a:t> </a:t>
+            </a:r>
+            <a:r>
+              <a:rPr lang="en-US" altLang="zh-CN" dirty="0" err="1" smtClean="0"/>
+              <a:t>init</a:t>
+            </a:r>
+            <a:endParaRPr lang="en-US" altLang="zh-CN" dirty="0" smtClean="0"/>
+          </a:p>
+          <a:p>
+            <a:pPr marL="457200" indent="-457200">
+              <a:buFont typeface="Arial" panose="020B0604020202020204" pitchFamily="34" charset="0"/>
+              <a:buChar char="•"/>
+            </a:pPr>
+            <a:r>
+              <a:rPr lang="zh-CN" altLang="en-US" dirty="0" smtClean="0"/>
+              <a:t>获取已被</a:t>
+            </a:r>
+            <a:r>
+              <a:rPr lang="en-US" altLang="zh-CN" dirty="0" err="1" smtClean="0"/>
+              <a:t>git</a:t>
+            </a:r>
+            <a:r>
+              <a:rPr lang="zh-CN" altLang="en-US" dirty="0" smtClean="0"/>
+              <a:t>管理的项目</a:t>
+            </a:r>
+            <a:endParaRPr lang="en-US" altLang="zh-CN" dirty="0" smtClean="0"/>
+          </a:p>
+          <a:p>
+            <a:pPr marL="742950" lvl="1" indent="-457200">
+              <a:buFont typeface="Arial" panose="020B0604020202020204" pitchFamily="34" charset="0"/>
+              <a:buChar char="•"/>
+            </a:pPr>
+            <a:r>
+              <a:rPr lang="en-US" altLang="zh-CN" dirty="0" err="1" smtClean="0"/>
+              <a:t>git</a:t>
+            </a:r>
+            <a:r>
+              <a:rPr lang="en-US" altLang="zh-CN" dirty="0" smtClean="0"/>
+              <a:t> clone &lt;</a:t>
+            </a:r>
+            <a:r>
+              <a:rPr lang="zh-CN" altLang="en-US" dirty="0" smtClean="0"/>
+              <a:t>远程项目的地址</a:t>
+            </a:r>
+            <a:r>
+              <a:rPr lang="en-US" altLang="zh-CN" dirty="0" smtClean="0"/>
+              <a:t>&gt;</a:t>
+            </a:r>
+          </a:p>
+        </p:txBody>
+      </p:sp>
+    </p:spTree>
+    <p:extLst>
+      <p:ext uri="{BB962C8B-B14F-4D97-AF65-F5344CB8AC3E}">
+        <p14:creationId xmlns:p14="http://schemas.microsoft.com/office/powerpoint/2010/main" val="1962038475"/>
+      </p:ext>
+    </p:extLst>
+  </p:cSld>
+  <p:clrMapOvr>
+    <a:masterClrMapping/>
+  </p:clrMapOvr>
   <p:timing>
     <p:tnLst>
       <p:par>
@@ -5712,7 +8714,7 @@
   <a:extraClrSchemeLst/>
   <a:extLst>
     <a:ext uri="{05A4C25C-085E-4340-85A3-A5531E510DB2}">
-      <thm15:themeFamily xmlns:thm15="http://schemas.microsoft.com/office/thememl/2012/main" xmlns="" name="Dolphin Compression Proposal [只读]" id="{5C5A20CA-BF7F-43AE-8752-87111D90E823}" vid="{6734BC4A-1BC7-4B00-A8C3-0D48AC7F1A38}"/>
+      <thm15:themeFamily xmlns="" xmlns:thm15="http://schemas.microsoft.com/office/thememl/2012/main" name="Dolphin Compression Proposal [只读]" id="{5C5A20CA-BF7F-43AE-8752-87111D90E823}" vid="{6734BC4A-1BC7-4B00-A8C3-0D48AC7F1A38}"/>
     </a:ext>
   </a:extLst>
 </a:theme>
@@ -6258,7 +9260,7 @@
   <a:extraClrSchemeLst/>
   <a:extLst>
     <a:ext uri="{05A4C25C-085E-4340-85A3-A5531E510DB2}">
-      <thm15:themeFamily xmlns:thm15="http://schemas.microsoft.com/office/thememl/2012/main" xmlns="" name="Office Theme" id="{62F939B6-93AF-4DB8-9C6B-D6C7DFDC589F}" vid="{4A3C46E8-61CC-4603-A589-7422A47A8E4A}"/>
+      <thm15:themeFamily xmlns="" xmlns:thm15="http://schemas.microsoft.com/office/thememl/2012/main" name="Office Theme" id="{62F939B6-93AF-4DB8-9C6B-D6C7DFDC589F}" vid="{4A3C46E8-61CC-4603-A589-7422A47A8E4A}"/>
     </a:ext>
   </a:extLst>
 </a:theme>
